--- a/빅데이터프로젝트계획서_3팀_식물육성.pptx
+++ b/빅데이터프로젝트계획서_3팀_식물육성.pptx
@@ -232,7 +232,7 @@
           <a:p>
             <a:fld id="{AA329D95-E9E3-4552-957F-C7B8CD71DED8}" type="datetimeFigureOut">
               <a:rPr lang="ko-KR" altLang="en-US" smtClean="0"/>
-              <a:t>2024-08-07</a:t>
+              <a:t>2024-08-14</a:t>
             </a:fld>
             <a:endParaRPr lang="ko-KR" altLang="en-US"/>
           </a:p>
@@ -410,7 +410,7 @@
           <a:p>
             <a:fld id="{A90F0C81-324A-46ED-B73B-81B80D72A858}" type="datetimeFigureOut">
               <a:rPr lang="ko-KR" altLang="en-US" smtClean="0"/>
-              <a:t>2024-08-07</a:t>
+              <a:t>2024-08-14</a:t>
             </a:fld>
             <a:endParaRPr lang="ko-KR" altLang="en-US"/>
           </a:p>
@@ -825,7 +825,7 @@
           <a:p>
             <a:fld id="{A3A35539-0D9D-4F39-A215-82A46FF80F52}" type="datetimeFigureOut">
               <a:rPr lang="ko-KR" altLang="en-US" smtClean="0"/>
-              <a:t>2024-08-07</a:t>
+              <a:t>2024-08-14</a:t>
             </a:fld>
             <a:endParaRPr lang="ko-KR" altLang="en-US"/>
           </a:p>
@@ -1023,7 +1023,7 @@
           <a:p>
             <a:fld id="{A3A35539-0D9D-4F39-A215-82A46FF80F52}" type="datetimeFigureOut">
               <a:rPr lang="ko-KR" altLang="en-US" smtClean="0"/>
-              <a:t>2024-08-07</a:t>
+              <a:t>2024-08-14</a:t>
             </a:fld>
             <a:endParaRPr lang="ko-KR" altLang="en-US"/>
           </a:p>
@@ -1298,7 +1298,7 @@
           <a:p>
             <a:fld id="{A3A35539-0D9D-4F39-A215-82A46FF80F52}" type="datetimeFigureOut">
               <a:rPr lang="ko-KR" altLang="en-US" smtClean="0"/>
-              <a:t>2024-08-07</a:t>
+              <a:t>2024-08-14</a:t>
             </a:fld>
             <a:endParaRPr lang="ko-KR" altLang="en-US"/>
           </a:p>
@@ -1439,7 +1439,7 @@
           <a:p>
             <a:fld id="{A3A35539-0D9D-4F39-A215-82A46FF80F52}" type="datetimeFigureOut">
               <a:rPr lang="ko-KR" altLang="en-US" smtClean="0"/>
-              <a:t>2024-08-07</a:t>
+              <a:t>2024-08-14</a:t>
             </a:fld>
             <a:endParaRPr lang="ko-KR" altLang="en-US"/>
           </a:p>
@@ -2551,7 +2551,7 @@
           <a:p>
             <a:fld id="{A3A35539-0D9D-4F39-A215-82A46FF80F52}" type="datetimeFigureOut">
               <a:rPr lang="ko-KR" altLang="en-US" smtClean="0"/>
-              <a:t>2024-08-07</a:t>
+              <a:t>2024-08-14</a:t>
             </a:fld>
             <a:endParaRPr lang="ko-KR" altLang="en-US"/>
           </a:p>
@@ -16923,14 +16923,14 @@
           <p:nvPr>
             <p:extLst>
               <p:ext uri="{D42A27DB-BD31-4B8C-83A1-F6EECF244321}">
-                <p14:modId xmlns:p14="http://schemas.microsoft.com/office/powerpoint/2010/main" val="1160642016"/>
+                <p14:modId xmlns:p14="http://schemas.microsoft.com/office/powerpoint/2010/main" val="2414473136"/>
               </p:ext>
             </p:extLst>
           </p:nvPr>
         </p:nvGraphicFramePr>
         <p:xfrm>
           <a:off x="1098745" y="1813175"/>
-          <a:ext cx="10515601" cy="4251960"/>
+          <a:ext cx="10515601" cy="4424680"/>
         </p:xfrm>
         <a:graphic>
           <a:graphicData uri="http://schemas.openxmlformats.org/drawingml/2006/table">
@@ -17785,6 +17785,10 @@
                         <a:tabLst/>
                         <a:defRPr/>
                       </a:pPr>
+                      <a:r>
+                        <a:rPr lang="en-US" altLang="ko-KR" sz="1200" dirty="0"/>
+                        <a:t>PUT/DELETE</a:t>
+                      </a:r>
                       <a:endParaRPr lang="ko-KR" altLang="en-US" sz="1200" dirty="0"/>
                     </a:p>
                   </a:txBody>
@@ -17796,6 +17800,34 @@
                     <a:lstStyle/>
                     <a:p>
                       <a:pPr algn="l" latinLnBrk="1"/>
+                      <a:r>
+                        <a:rPr lang="en-US" altLang="ko-KR" sz="1200" dirty="0"/>
+                        <a:t>/</a:t>
+                      </a:r>
+                      <a:r>
+                        <a:rPr lang="en-US" altLang="ko-KR" sz="1200" dirty="0" err="1"/>
+                        <a:t>api</a:t>
+                      </a:r>
+                      <a:r>
+                        <a:rPr lang="en-US" altLang="ko-KR" sz="1200" dirty="0"/>
+                        <a:t>/</a:t>
+                      </a:r>
+                      <a:r>
+                        <a:rPr lang="en-US" altLang="ko-KR" sz="1200" dirty="0" err="1"/>
+                        <a:t>freecomment</a:t>
+                      </a:r>
+                      <a:r>
+                        <a:rPr lang="en-US" altLang="ko-KR" sz="1200" dirty="0"/>
+                        <a:t>/{</a:t>
+                      </a:r>
+                      <a:r>
+                        <a:rPr lang="en-US" altLang="ko-KR" sz="1200" dirty="0" err="1"/>
+                        <a:t>freeCommentId</a:t>
+                      </a:r>
+                      <a:r>
+                        <a:rPr lang="en-US" altLang="ko-KR" sz="1200" dirty="0"/>
+                        <a:t>}</a:t>
+                      </a:r>
                       <a:endParaRPr lang="ko-KR" altLang="en-US" sz="1200" dirty="0"/>
                     </a:p>
                   </a:txBody>
@@ -17807,6 +17839,38 @@
                     <a:lstStyle/>
                     <a:p>
                       <a:pPr algn="ctr" latinLnBrk="1"/>
+                      <a:r>
+                        <a:rPr lang="ko-KR" altLang="en-US" sz="1200" dirty="0"/>
+                        <a:t>자유게시판 댓글 </a:t>
+                      </a:r>
+                      <a:r>
+                        <a:rPr lang="en-US" altLang="ko-KR" sz="1200" dirty="0"/>
+                        <a:t>(</a:t>
+                      </a:r>
+                      <a:r>
+                        <a:rPr lang="ko-KR" altLang="en-US" sz="1200" dirty="0"/>
+                        <a:t>작성</a:t>
+                      </a:r>
+                      <a:r>
+                        <a:rPr lang="en-US" altLang="ko-KR" sz="1200" dirty="0"/>
+                        <a:t>,</a:t>
+                      </a:r>
+                      <a:r>
+                        <a:rPr lang="ko-KR" altLang="en-US" sz="1200" dirty="0"/>
+                        <a:t> 수정</a:t>
+                      </a:r>
+                      <a:r>
+                        <a:rPr lang="en-US" altLang="ko-KR" sz="1200" dirty="0"/>
+                        <a:t>,</a:t>
+                      </a:r>
+                      <a:r>
+                        <a:rPr lang="ko-KR" altLang="en-US" sz="1200" dirty="0"/>
+                        <a:t> 삭제</a:t>
+                      </a:r>
+                      <a:r>
+                        <a:rPr lang="en-US" altLang="ko-KR" sz="1200" dirty="0"/>
+                        <a:t>)</a:t>
+                      </a:r>
                       <a:endParaRPr lang="ko-KR" altLang="en-US" sz="1200" dirty="0"/>
                     </a:p>
                   </a:txBody>
@@ -17839,36 +17903,6 @@
                       <a:r>
                         <a:rPr lang="en-US" altLang="ko-KR" sz="1200" dirty="0"/>
                         <a:t>9</a:t>
-                      </a:r>
-                      <a:endParaRPr lang="ko-KR" altLang="en-US" sz="1200" dirty="0"/>
-                    </a:p>
-                  </a:txBody>
-                  <a:tcPr anchor="ctr"/>
-                </a:tc>
-                <a:tc>
-                  <a:txBody>
-                    <a:bodyPr/>
-                    <a:lstStyle/>
-                    <a:p>
-                      <a:pPr algn="ctr" latinLnBrk="1"/>
-                      <a:endParaRPr lang="ko-KR" altLang="en-US" sz="1200" dirty="0"/>
-                    </a:p>
-                  </a:txBody>
-                  <a:tcPr anchor="ctr"/>
-                </a:tc>
-                <a:tc>
-                  <a:txBody>
-                    <a:bodyPr/>
-                    <a:lstStyle/>
-                    <a:p>
-                      <a:pPr algn="l" latinLnBrk="1"/>
-                      <a:r>
-                        <a:rPr lang="en-US" altLang="ko-KR" sz="1200" dirty="0"/>
-                        <a:t>/public/</a:t>
-                      </a:r>
-                      <a:r>
-                        <a:rPr lang="en-US" altLang="ko-KR" sz="1200" dirty="0" err="1"/>
-                        <a:t>infoplant</a:t>
                       </a:r>
                       <a:endParaRPr lang="ko-KR" altLang="en-US" sz="1200" dirty="0"/>
                     </a:p>
@@ -17898,16 +17932,90 @@
                         <a:defRPr/>
                       </a:pPr>
                       <a:r>
-                        <a:rPr lang="ko-KR" altLang="en-US" sz="1200" dirty="0"/>
-                        <a:t>정보제공</a:t>
+                        <a:rPr lang="en-US" altLang="ko-KR" sz="1200"/>
+                        <a:t>PUT</a:t>
                       </a:r>
                       <a:r>
                         <a:rPr lang="en-US" altLang="ko-KR" sz="1200" dirty="0"/>
-                        <a:t>(open </a:t>
+                        <a:t>/DELETE</a:t>
+                      </a:r>
+                      <a:endParaRPr lang="ko-KR" altLang="en-US" sz="1200" dirty="0"/>
+                    </a:p>
+                  </a:txBody>
+                  <a:tcPr anchor="ctr"/>
+                </a:tc>
+                <a:tc>
+                  <a:txBody>
+                    <a:bodyPr/>
+                    <a:lstStyle/>
+                    <a:p>
+                      <a:pPr algn="l" latinLnBrk="1"/>
+                      <a:r>
+                        <a:rPr lang="en-US" altLang="ko-KR" sz="1200" dirty="0"/>
+                        <a:t>/</a:t>
                       </a:r>
                       <a:r>
                         <a:rPr lang="en-US" altLang="ko-KR" sz="1200" dirty="0" err="1"/>
                         <a:t>api</a:t>
+                      </a:r>
+                      <a:r>
+                        <a:rPr lang="en-US" altLang="ko-KR" sz="1200" dirty="0"/>
+                        <a:t>/</a:t>
+                      </a:r>
+                      <a:r>
+                        <a:rPr lang="en-US" altLang="ko-KR" sz="1200" dirty="0" err="1"/>
+                        <a:t>sharecomment</a:t>
+                      </a:r>
+                      <a:r>
+                        <a:rPr lang="en-US" altLang="ko-KR" sz="1200" dirty="0"/>
+                        <a:t>/{</a:t>
+                      </a:r>
+                      <a:r>
+                        <a:rPr lang="en-US" altLang="ko-KR" sz="1200" dirty="0" err="1"/>
+                        <a:t>shareCommentId</a:t>
+                      </a:r>
+                      <a:r>
+                        <a:rPr lang="en-US" altLang="ko-KR" sz="1200" dirty="0"/>
+                        <a:t>}</a:t>
+                      </a:r>
+                      <a:endParaRPr lang="ko-KR" altLang="en-US" sz="1200" dirty="0"/>
+                    </a:p>
+                  </a:txBody>
+                  <a:tcPr anchor="ctr"/>
+                </a:tc>
+                <a:tc>
+                  <a:txBody>
+                    <a:bodyPr/>
+                    <a:lstStyle/>
+                    <a:p>
+                      <a:pPr algn="ctr" latinLnBrk="1"/>
+                      <a:r>
+                        <a:rPr lang="ko-KR" altLang="en-US" sz="1200" dirty="0"/>
+                        <a:t>식물 나눔 게시판 댓글 </a:t>
+                      </a:r>
+                      <a:r>
+                        <a:rPr lang="en-US" altLang="ko-KR" sz="1200" dirty="0"/>
+                        <a:t>(</a:t>
+                      </a:r>
+                      <a:r>
+                        <a:rPr lang="ko-KR" altLang="en-US" sz="1200" dirty="0"/>
+                        <a:t>작성</a:t>
+                      </a:r>
+                      <a:r>
+                        <a:rPr lang="en-US" altLang="ko-KR" sz="1200" dirty="0"/>
+                        <a:t>,</a:t>
+                      </a:r>
+                      <a:r>
+                        <a:rPr lang="ko-KR" altLang="en-US" sz="1200" dirty="0"/>
+                        <a:t> 수정</a:t>
+                      </a:r>
+                      <a:r>
+                        <a:rPr lang="en-US" altLang="ko-KR" sz="1200" dirty="0"/>
+                        <a:t>,</a:t>
+                      </a:r>
+                      <a:r>
+                        <a:rPr lang="ko-KR" altLang="en-US" sz="1200" dirty="0"/>
+                        <a:t> 삭제</a:t>
                       </a:r>
                       <a:r>
                         <a:rPr lang="en-US" altLang="ko-KR" sz="1200" dirty="0"/>
@@ -17968,6 +18076,14 @@
                     <a:lstStyle/>
                     <a:p>
                       <a:pPr algn="l" latinLnBrk="1"/>
+                      <a:r>
+                        <a:rPr lang="en-US" altLang="ko-KR" sz="1200" dirty="0"/>
+                        <a:t>/public/</a:t>
+                      </a:r>
+                      <a:r>
+                        <a:rPr lang="en-US" altLang="ko-KR" sz="1200" dirty="0" err="1"/>
+                        <a:t>infoplant</a:t>
+                      </a:r>
                       <a:endParaRPr lang="ko-KR" altLang="en-US" sz="1200" dirty="0"/>
                     </a:p>
                   </a:txBody>
@@ -17978,7 +18094,39 @@
                     <a:bodyPr/>
                     <a:lstStyle/>
                     <a:p>
-                      <a:pPr algn="ctr" latinLnBrk="1"/>
+                      <a:pPr marL="0" marR="0" lvl="0" indent="0" algn="ctr" defTabSz="914400" rtl="0" eaLnBrk="1" fontAlgn="auto" latinLnBrk="1" hangingPunct="1">
+                        <a:lnSpc>
+                          <a:spcPct val="100000"/>
+                        </a:lnSpc>
+                        <a:spcBef>
+                          <a:spcPts val="0"/>
+                        </a:spcBef>
+                        <a:spcAft>
+                          <a:spcPts val="0"/>
+                        </a:spcAft>
+                        <a:buClrTx/>
+                        <a:buSzTx/>
+                        <a:buFontTx/>
+                        <a:buNone/>
+                        <a:tabLst/>
+                        <a:defRPr/>
+                      </a:pPr>
+                      <a:r>
+                        <a:rPr lang="ko-KR" altLang="en-US" sz="1200" dirty="0"/>
+                        <a:t>정보제공</a:t>
+                      </a:r>
+                      <a:r>
+                        <a:rPr lang="en-US" altLang="ko-KR" sz="1200" dirty="0"/>
+                        <a:t>(open </a:t>
+                      </a:r>
+                      <a:r>
+                        <a:rPr lang="en-US" altLang="ko-KR" sz="1200" dirty="0" err="1"/>
+                        <a:t>api</a:t>
+                      </a:r>
+                      <a:r>
+                        <a:rPr lang="en-US" altLang="ko-KR" sz="1200" dirty="0"/>
+                        <a:t>)</a:t>
+                      </a:r>
                       <a:endParaRPr lang="ko-KR" altLang="en-US" sz="1200" dirty="0"/>
                     </a:p>
                   </a:txBody>

--- a/빅데이터프로젝트계획서_3팀_식물육성.pptx
+++ b/빅데이터프로젝트계획서_3팀_식물육성.pptx
@@ -232,7 +232,7 @@
           <a:p>
             <a:fld id="{AA329D95-E9E3-4552-957F-C7B8CD71DED8}" type="datetimeFigureOut">
               <a:rPr lang="ko-KR" altLang="en-US" smtClean="0"/>
-              <a:t>2024-08-14</a:t>
+              <a:t>2024-08-16</a:t>
             </a:fld>
             <a:endParaRPr lang="ko-KR" altLang="en-US"/>
           </a:p>
@@ -410,7 +410,7 @@
           <a:p>
             <a:fld id="{A90F0C81-324A-46ED-B73B-81B80D72A858}" type="datetimeFigureOut">
               <a:rPr lang="ko-KR" altLang="en-US" smtClean="0"/>
-              <a:t>2024-08-14</a:t>
+              <a:t>2024-08-16</a:t>
             </a:fld>
             <a:endParaRPr lang="ko-KR" altLang="en-US"/>
           </a:p>
@@ -825,7 +825,7 @@
           <a:p>
             <a:fld id="{A3A35539-0D9D-4F39-A215-82A46FF80F52}" type="datetimeFigureOut">
               <a:rPr lang="ko-KR" altLang="en-US" smtClean="0"/>
-              <a:t>2024-08-14</a:t>
+              <a:t>2024-08-16</a:t>
             </a:fld>
             <a:endParaRPr lang="ko-KR" altLang="en-US"/>
           </a:p>
@@ -1023,7 +1023,7 @@
           <a:p>
             <a:fld id="{A3A35539-0D9D-4F39-A215-82A46FF80F52}" type="datetimeFigureOut">
               <a:rPr lang="ko-KR" altLang="en-US" smtClean="0"/>
-              <a:t>2024-08-14</a:t>
+              <a:t>2024-08-16</a:t>
             </a:fld>
             <a:endParaRPr lang="ko-KR" altLang="en-US"/>
           </a:p>
@@ -1298,7 +1298,7 @@
           <a:p>
             <a:fld id="{A3A35539-0D9D-4F39-A215-82A46FF80F52}" type="datetimeFigureOut">
               <a:rPr lang="ko-KR" altLang="en-US" smtClean="0"/>
-              <a:t>2024-08-14</a:t>
+              <a:t>2024-08-16</a:t>
             </a:fld>
             <a:endParaRPr lang="ko-KR" altLang="en-US"/>
           </a:p>
@@ -1439,7 +1439,7 @@
           <a:p>
             <a:fld id="{A3A35539-0D9D-4F39-A215-82A46FF80F52}" type="datetimeFigureOut">
               <a:rPr lang="ko-KR" altLang="en-US" smtClean="0"/>
-              <a:t>2024-08-14</a:t>
+              <a:t>2024-08-16</a:t>
             </a:fld>
             <a:endParaRPr lang="ko-KR" altLang="en-US"/>
           </a:p>
@@ -2551,7 +2551,7 @@
           <a:p>
             <a:fld id="{A3A35539-0D9D-4F39-A215-82A46FF80F52}" type="datetimeFigureOut">
               <a:rPr lang="ko-KR" altLang="en-US" smtClean="0"/>
-              <a:t>2024-08-14</a:t>
+              <a:t>2024-08-16</a:t>
             </a:fld>
             <a:endParaRPr lang="ko-KR" altLang="en-US"/>
           </a:p>
@@ -16923,7 +16923,7 @@
           <p:nvPr>
             <p:extLst>
               <p:ext uri="{D42A27DB-BD31-4B8C-83A1-F6EECF244321}">
-                <p14:modId xmlns:p14="http://schemas.microsoft.com/office/powerpoint/2010/main" val="2414473136"/>
+                <p14:modId xmlns:p14="http://schemas.microsoft.com/office/powerpoint/2010/main" val="3189595633"/>
               </p:ext>
             </p:extLst>
           </p:nvPr>
@@ -17099,7 +17099,7 @@
                       <a:pPr algn="l" latinLnBrk="1"/>
                       <a:r>
                         <a:rPr lang="en-US" altLang="ko-KR" sz="1200" dirty="0"/>
-                        <a:t>/public/</a:t>
+                        <a:t>/</a:t>
                       </a:r>
                       <a:r>
                         <a:rPr lang="en-US" altLang="ko-KR" sz="1200" dirty="0" err="1"/>
@@ -17184,7 +17184,7 @@
                       <a:pPr algn="l" latinLnBrk="1"/>
                       <a:r>
                         <a:rPr lang="en-US" altLang="ko-KR" sz="1200" dirty="0"/>
-                        <a:t>/public/login</a:t>
+                        <a:t>/login</a:t>
                       </a:r>
                       <a:endParaRPr lang="ko-KR" altLang="en-US" sz="1200" dirty="0"/>
                     </a:p>
@@ -17261,6 +17261,14 @@
                       <a:pPr algn="l" latinLnBrk="1"/>
                       <a:r>
                         <a:rPr lang="en-US" altLang="ko-KR" sz="1200" dirty="0"/>
+                        <a:t>/</a:t>
+                      </a:r>
+                      <a:r>
+                        <a:rPr lang="en-US" altLang="ko-KR" sz="1200" dirty="0" err="1"/>
+                        <a:t>api</a:t>
+                      </a:r>
+                      <a:r>
+                        <a:rPr lang="en-US" altLang="ko-KR" sz="1200" dirty="0"/>
                         <a:t>/public/main</a:t>
                       </a:r>
                       <a:endParaRPr lang="ko-KR" altLang="en-US" sz="1200" dirty="0"/>
@@ -17336,6 +17344,14 @@
                     <a:lstStyle/>
                     <a:p>
                       <a:pPr algn="l" latinLnBrk="1"/>
+                      <a:r>
+                        <a:rPr lang="en-US" altLang="ko-KR" sz="1200" dirty="0"/>
+                        <a:t>/</a:t>
+                      </a:r>
+                      <a:r>
+                        <a:rPr lang="en-US" altLang="ko-KR" sz="1200" dirty="0" err="1"/>
+                        <a:t>api</a:t>
+                      </a:r>
                       <a:r>
                         <a:rPr lang="en-US" altLang="ko-KR" sz="1200" dirty="0"/>
                         <a:t>/public/</a:t>
@@ -17456,7 +17472,7 @@
                       </a:r>
                       <a:r>
                         <a:rPr lang="en-US" altLang="ko-KR" sz="1200" dirty="0"/>
-                        <a:t>/</a:t>
+                        <a:t>/users/</a:t>
                       </a:r>
                       <a:r>
                         <a:rPr lang="en-US" altLang="ko-KR" sz="1200" dirty="0" err="1"/>
@@ -17566,6 +17582,14 @@
                       <a:pPr algn="l" latinLnBrk="1"/>
                       <a:r>
                         <a:rPr lang="en-US" altLang="ko-KR" sz="1200" dirty="0"/>
+                        <a:t>/</a:t>
+                      </a:r>
+                      <a:r>
+                        <a:rPr lang="en-US" altLang="ko-KR" sz="1200" dirty="0" err="1"/>
+                        <a:t>api</a:t>
+                      </a:r>
+                      <a:r>
+                        <a:rPr lang="en-US" altLang="ko-KR" sz="1200" dirty="0"/>
                         <a:t>/public/freeboard</a:t>
                       </a:r>
                       <a:endParaRPr lang="ko-KR" altLang="en-US" sz="1200" dirty="0"/>
@@ -17680,7 +17704,7 @@
                       </a:r>
                       <a:r>
                         <a:rPr lang="en-US" altLang="ko-KR" sz="1200" dirty="0"/>
-                        <a:t>/freeboard</a:t>
+                        <a:t>/users/freeboard</a:t>
                       </a:r>
                       <a:endParaRPr lang="ko-KR" altLang="en-US" sz="1200" dirty="0"/>
                     </a:p>
@@ -17810,23 +17834,19 @@
                       </a:r>
                       <a:r>
                         <a:rPr lang="en-US" altLang="ko-KR" sz="1200" dirty="0"/>
-                        <a:t>/</a:t>
+                        <a:t>/users/freeboard/{</a:t>
+                      </a:r>
+                      <a:r>
+                        <a:rPr lang="en-US" altLang="ko-KR" sz="1200" dirty="0" err="1"/>
+                        <a:t>freeboardid</a:t>
+                      </a:r>
+                      <a:r>
+                        <a:rPr lang="en-US" altLang="ko-KR" sz="1200" dirty="0"/>
+                        <a:t>}/</a:t>
                       </a:r>
                       <a:r>
                         <a:rPr lang="en-US" altLang="ko-KR" sz="1200" dirty="0" err="1"/>
                         <a:t>freecomment</a:t>
-                      </a:r>
-                      <a:r>
-                        <a:rPr lang="en-US" altLang="ko-KR" sz="1200" dirty="0"/>
-                        <a:t>/{</a:t>
-                      </a:r>
-                      <a:r>
-                        <a:rPr lang="en-US" altLang="ko-KR" sz="1200" dirty="0" err="1"/>
-                        <a:t>freeCommentId</a:t>
-                      </a:r>
-                      <a:r>
-                        <a:rPr lang="en-US" altLang="ko-KR" sz="1200" dirty="0"/>
-                        <a:t>}</a:t>
                       </a:r>
                       <a:endParaRPr lang="ko-KR" altLang="en-US" sz="1200" dirty="0"/>
                     </a:p>
@@ -17949,7 +17969,23 @@
                     <a:bodyPr/>
                     <a:lstStyle/>
                     <a:p>
-                      <a:pPr algn="l" latinLnBrk="1"/>
+                      <a:pPr marL="0" marR="0" lvl="0" indent="0" algn="l" defTabSz="914400" rtl="0" eaLnBrk="1" fontAlgn="auto" latinLnBrk="1" hangingPunct="1">
+                        <a:lnSpc>
+                          <a:spcPct val="100000"/>
+                        </a:lnSpc>
+                        <a:spcBef>
+                          <a:spcPts val="0"/>
+                        </a:spcBef>
+                        <a:spcAft>
+                          <a:spcPts val="0"/>
+                        </a:spcAft>
+                        <a:buClrTx/>
+                        <a:buSzTx/>
+                        <a:buFontTx/>
+                        <a:buNone/>
+                        <a:tabLst/>
+                        <a:defRPr/>
+                      </a:pPr>
                       <a:r>
                         <a:rPr lang="en-US" altLang="ko-KR" sz="1200" dirty="0"/>
                         <a:t>/</a:t>
@@ -17960,23 +17996,27 @@
                       </a:r>
                       <a:r>
                         <a:rPr lang="en-US" altLang="ko-KR" sz="1200" dirty="0"/>
-                        <a:t>/</a:t>
+                        <a:t>/users/</a:t>
+                      </a:r>
+                      <a:r>
+                        <a:rPr lang="en-US" altLang="ko-KR" sz="1200" dirty="0" err="1"/>
+                        <a:t>shareboard</a:t>
+                      </a:r>
+                      <a:r>
+                        <a:rPr lang="en-US" altLang="ko-KR" sz="1200" dirty="0"/>
+                        <a:t>/{</a:t>
+                      </a:r>
+                      <a:r>
+                        <a:rPr lang="en-US" altLang="ko-KR" sz="1200" dirty="0" err="1"/>
+                        <a:t>shareboardid</a:t>
+                      </a:r>
+                      <a:r>
+                        <a:rPr lang="en-US" altLang="ko-KR" sz="1200" dirty="0"/>
+                        <a:t>}/</a:t>
                       </a:r>
                       <a:r>
                         <a:rPr lang="en-US" altLang="ko-KR" sz="1200" dirty="0" err="1"/>
                         <a:t>sharecomment</a:t>
-                      </a:r>
-                      <a:r>
-                        <a:rPr lang="en-US" altLang="ko-KR" sz="1200" dirty="0"/>
-                        <a:t>/{</a:t>
-                      </a:r>
-                      <a:r>
-                        <a:rPr lang="en-US" altLang="ko-KR" sz="1200" dirty="0" err="1"/>
-                        <a:t>shareCommentId</a:t>
-                      </a:r>
-                      <a:r>
-                        <a:rPr lang="en-US" altLang="ko-KR" sz="1200" dirty="0"/>
-                        <a:t>}</a:t>
                       </a:r>
                       <a:endParaRPr lang="ko-KR" altLang="en-US" sz="1200" dirty="0"/>
                     </a:p>

--- a/빅데이터프로젝트계획서_3팀_식물육성.pptx
+++ b/빅데이터프로젝트계획서_3팀_식물육성.pptx
@@ -5,10 +5,10 @@
     <p:sldMasterId id="2147483648" r:id="rId1"/>
   </p:sldMasterIdLst>
   <p:notesMasterIdLst>
-    <p:notesMasterId r:id="rId23"/>
+    <p:notesMasterId r:id="rId24"/>
   </p:notesMasterIdLst>
   <p:handoutMasterIdLst>
-    <p:handoutMasterId r:id="rId24"/>
+    <p:handoutMasterId r:id="rId25"/>
   </p:handoutMasterIdLst>
   <p:sldIdLst>
     <p:sldId id="385" r:id="rId2"/>
@@ -27,11 +27,12 @@
     <p:sldId id="389" r:id="rId15"/>
     <p:sldId id="387" r:id="rId16"/>
     <p:sldId id="388" r:id="rId17"/>
-    <p:sldId id="391" r:id="rId18"/>
-    <p:sldId id="392" r:id="rId19"/>
-    <p:sldId id="399" r:id="rId20"/>
-    <p:sldId id="400" r:id="rId21"/>
-    <p:sldId id="394" r:id="rId22"/>
+    <p:sldId id="413" r:id="rId18"/>
+    <p:sldId id="391" r:id="rId19"/>
+    <p:sldId id="392" r:id="rId20"/>
+    <p:sldId id="399" r:id="rId21"/>
+    <p:sldId id="400" r:id="rId22"/>
+    <p:sldId id="394" r:id="rId23"/>
   </p:sldIdLst>
   <p:sldSz cx="12192000" cy="6858000"/>
   <p:notesSz cx="6858000" cy="9144000"/>
@@ -16923,14 +16924,14 @@
           <p:nvPr>
             <p:extLst>
               <p:ext uri="{D42A27DB-BD31-4B8C-83A1-F6EECF244321}">
-                <p14:modId xmlns:p14="http://schemas.microsoft.com/office/powerpoint/2010/main" val="3189595633"/>
+                <p14:modId xmlns:p14="http://schemas.microsoft.com/office/powerpoint/2010/main" val="2088056151"/>
               </p:ext>
             </p:extLst>
           </p:nvPr>
         </p:nvGraphicFramePr>
         <p:xfrm>
           <a:off x="1098745" y="1813175"/>
-          <a:ext cx="10515601" cy="4424680"/>
+          <a:ext cx="10515601" cy="4338320"/>
         </p:xfrm>
         <a:graphic>
           <a:graphicData uri="http://schemas.openxmlformats.org/drawingml/2006/table">
@@ -17811,7 +17812,7 @@
                       </a:pPr>
                       <a:r>
                         <a:rPr lang="en-US" altLang="ko-KR" sz="1200" dirty="0"/>
-                        <a:t>PUT/DELETE</a:t>
+                        <a:t>POST</a:t>
                       </a:r>
                       <a:endParaRPr lang="ko-KR" altLang="en-US" sz="1200" dirty="0"/>
                     </a:p>
@@ -17870,22 +17871,6 @@
                       <a:r>
                         <a:rPr lang="ko-KR" altLang="en-US" sz="1200" dirty="0"/>
                         <a:t>작성</a:t>
-                      </a:r>
-                      <a:r>
-                        <a:rPr lang="en-US" altLang="ko-KR" sz="1200" dirty="0"/>
-                        <a:t>,</a:t>
-                      </a:r>
-                      <a:r>
-                        <a:rPr lang="ko-KR" altLang="en-US" sz="1200" dirty="0"/>
-                        <a:t> 수정</a:t>
-                      </a:r>
-                      <a:r>
-                        <a:rPr lang="en-US" altLang="ko-KR" sz="1200" dirty="0"/>
-                        <a:t>,</a:t>
-                      </a:r>
-                      <a:r>
-                        <a:rPr lang="ko-KR" altLang="en-US" sz="1200" dirty="0"/>
-                        <a:t> 삭제</a:t>
                       </a:r>
                       <a:r>
                         <a:rPr lang="en-US" altLang="ko-KR" sz="1200" dirty="0"/>
@@ -17952,12 +17937,8 @@
                         <a:defRPr/>
                       </a:pPr>
                       <a:r>
-                        <a:rPr lang="en-US" altLang="ko-KR" sz="1200"/>
-                        <a:t>PUT</a:t>
-                      </a:r>
-                      <a:r>
                         <a:rPr lang="en-US" altLang="ko-KR" sz="1200" dirty="0"/>
-                        <a:t>/DELETE</a:t>
+                        <a:t>PUT/DELETE</a:t>
                       </a:r>
                       <a:endParaRPr lang="ko-KR" altLang="en-US" sz="1200" dirty="0"/>
                     </a:p>
@@ -17969,23 +17950,7 @@
                     <a:bodyPr/>
                     <a:lstStyle/>
                     <a:p>
-                      <a:pPr marL="0" marR="0" lvl="0" indent="0" algn="l" defTabSz="914400" rtl="0" eaLnBrk="1" fontAlgn="auto" latinLnBrk="1" hangingPunct="1">
-                        <a:lnSpc>
-                          <a:spcPct val="100000"/>
-                        </a:lnSpc>
-                        <a:spcBef>
-                          <a:spcPts val="0"/>
-                        </a:spcBef>
-                        <a:spcAft>
-                          <a:spcPts val="0"/>
-                        </a:spcAft>
-                        <a:buClrTx/>
-                        <a:buSzTx/>
-                        <a:buFontTx/>
-                        <a:buNone/>
-                        <a:tabLst/>
-                        <a:defRPr/>
-                      </a:pPr>
+                      <a:pPr algn="l" latinLnBrk="1"/>
                       <a:r>
                         <a:rPr lang="en-US" altLang="ko-KR" sz="1200" dirty="0"/>
                         <a:t>/</a:t>
@@ -17996,11 +17961,11 @@
                       </a:r>
                       <a:r>
                         <a:rPr lang="en-US" altLang="ko-KR" sz="1200" dirty="0"/>
-                        <a:t>/users/</a:t>
+                        <a:t>/users/freeboard/</a:t>
                       </a:r>
                       <a:r>
                         <a:rPr lang="en-US" altLang="ko-KR" sz="1200" dirty="0" err="1"/>
-                        <a:t>shareboard</a:t>
+                        <a:t>freecomment</a:t>
                       </a:r>
                       <a:r>
                         <a:rPr lang="en-US" altLang="ko-KR" sz="1200" dirty="0"/>
@@ -18008,15 +17973,11 @@
                       </a:r>
                       <a:r>
                         <a:rPr lang="en-US" altLang="ko-KR" sz="1200" dirty="0" err="1"/>
-                        <a:t>shareboardid</a:t>
+                        <a:t>freecommentid</a:t>
                       </a:r>
                       <a:r>
                         <a:rPr lang="en-US" altLang="ko-KR" sz="1200" dirty="0"/>
-                        <a:t>}/</a:t>
-                      </a:r>
-                      <a:r>
-                        <a:rPr lang="en-US" altLang="ko-KR" sz="1200" dirty="0" err="1"/>
-                        <a:t>sharecomment</a:t>
+                        <a:t>}</a:t>
                       </a:r>
                       <a:endParaRPr lang="ko-KR" altLang="en-US" sz="1200" dirty="0"/>
                     </a:p>
@@ -18031,7 +17992,7 @@
                       <a:pPr algn="ctr" latinLnBrk="1"/>
                       <a:r>
                         <a:rPr lang="ko-KR" altLang="en-US" sz="1200" dirty="0"/>
-                        <a:t>식물 나눔 게시판 댓글 </a:t>
+                        <a:t>자유게시판 댓글 </a:t>
                       </a:r>
                       <a:r>
                         <a:rPr lang="en-US" altLang="ko-KR" sz="1200" dirty="0"/>
@@ -18039,15 +18000,7 @@
                       </a:r>
                       <a:r>
                         <a:rPr lang="ko-KR" altLang="en-US" sz="1200" dirty="0"/>
-                        <a:t>작성</a:t>
-                      </a:r>
-                      <a:r>
-                        <a:rPr lang="en-US" altLang="ko-KR" sz="1200" dirty="0"/>
-                        <a:t>,</a:t>
-                      </a:r>
-                      <a:r>
-                        <a:rPr lang="ko-KR" altLang="en-US" sz="1200" dirty="0"/>
-                        <a:t> 수정</a:t>
+                        <a:t>수정</a:t>
                       </a:r>
                       <a:r>
                         <a:rPr lang="en-US" altLang="ko-KR" sz="1200" dirty="0"/>
@@ -18116,14 +18069,6 @@
                     <a:lstStyle/>
                     <a:p>
                       <a:pPr algn="l" latinLnBrk="1"/>
-                      <a:r>
-                        <a:rPr lang="en-US" altLang="ko-KR" sz="1200" dirty="0"/>
-                        <a:t>/public/</a:t>
-                      </a:r>
-                      <a:r>
-                        <a:rPr lang="en-US" altLang="ko-KR" sz="1200" dirty="0" err="1"/>
-                        <a:t>infoplant</a:t>
-                      </a:r>
                       <a:endParaRPr lang="ko-KR" altLang="en-US" sz="1200" dirty="0"/>
                     </a:p>
                   </a:txBody>
@@ -18151,22 +18096,6 @@
                         <a:tabLst/>
                         <a:defRPr/>
                       </a:pPr>
-                      <a:r>
-                        <a:rPr lang="ko-KR" altLang="en-US" sz="1200" dirty="0"/>
-                        <a:t>정보제공</a:t>
-                      </a:r>
-                      <a:r>
-                        <a:rPr lang="en-US" altLang="ko-KR" sz="1200" dirty="0"/>
-                        <a:t>(open </a:t>
-                      </a:r>
-                      <a:r>
-                        <a:rPr lang="en-US" altLang="ko-KR" sz="1200" dirty="0" err="1"/>
-                        <a:t>api</a:t>
-                      </a:r>
-                      <a:r>
-                        <a:rPr lang="en-US" altLang="ko-KR" sz="1200" dirty="0"/>
-                        <a:t>)</a:t>
-                      </a:r>
                       <a:endParaRPr lang="ko-KR" altLang="en-US" sz="1200" dirty="0"/>
                     </a:p>
                   </a:txBody>
@@ -18322,6 +18251,1232 @@
             </a:r>
             <a:r>
               <a:rPr lang="ko-KR" altLang="en-US" dirty="0"/>
+              <a:t>명세 목록</a:t>
+            </a:r>
+          </a:p>
+        </p:txBody>
+      </p:sp>
+      <p:graphicFrame>
+        <p:nvGraphicFramePr>
+          <p:cNvPr id="5" name="표 5">
+            <a:extLst>
+              <a:ext uri="{FF2B5EF4-FFF2-40B4-BE49-F238E27FC236}">
+                <a16:creationId xmlns:a16="http://schemas.microsoft.com/office/drawing/2014/main" id="{A3829CBD-FDE1-49C7-8F59-92F9AEE14FFD}"/>
+              </a:ext>
+            </a:extLst>
+          </p:cNvPr>
+          <p:cNvGraphicFramePr>
+            <a:graphicFrameLocks noGrp="1"/>
+          </p:cNvGraphicFramePr>
+          <p:nvPr>
+            <p:extLst>
+              <p:ext uri="{D42A27DB-BD31-4B8C-83A1-F6EECF244321}">
+                <p14:modId xmlns:p14="http://schemas.microsoft.com/office/powerpoint/2010/main" val="3473255458"/>
+              </p:ext>
+            </p:extLst>
+          </p:nvPr>
+        </p:nvGraphicFramePr>
+        <p:xfrm>
+          <a:off x="1098745" y="1813175"/>
+          <a:ext cx="10515601" cy="4251960"/>
+        </p:xfrm>
+        <a:graphic>
+          <a:graphicData uri="http://schemas.openxmlformats.org/drawingml/2006/table">
+            <a:tbl>
+              <a:tblPr firstRow="1" bandRow="1">
+                <a:tableStyleId>{5C22544A-7EE6-4342-B048-85BDC9FD1C3A}</a:tableStyleId>
+              </a:tblPr>
+              <a:tblGrid>
+                <a:gridCol w="654641">
+                  <a:extLst>
+                    <a:ext uri="{9D8B030D-6E8A-4147-A177-3AD203B41FA5}">
+                      <a16:colId xmlns:a16="http://schemas.microsoft.com/office/drawing/2014/main" val="1185641856"/>
+                    </a:ext>
+                  </a:extLst>
+                </a:gridCol>
+                <a:gridCol w="989814">
+                  <a:extLst>
+                    <a:ext uri="{9D8B030D-6E8A-4147-A177-3AD203B41FA5}">
+                      <a16:colId xmlns:a16="http://schemas.microsoft.com/office/drawing/2014/main" val="567612738"/>
+                    </a:ext>
+                  </a:extLst>
+                </a:gridCol>
+                <a:gridCol w="3657600">
+                  <a:extLst>
+                    <a:ext uri="{9D8B030D-6E8A-4147-A177-3AD203B41FA5}">
+                      <a16:colId xmlns:a16="http://schemas.microsoft.com/office/drawing/2014/main" val="2790895838"/>
+                    </a:ext>
+                  </a:extLst>
+                </a:gridCol>
+                <a:gridCol w="4006392">
+                  <a:extLst>
+                    <a:ext uri="{9D8B030D-6E8A-4147-A177-3AD203B41FA5}">
+                      <a16:colId xmlns:a16="http://schemas.microsoft.com/office/drawing/2014/main" val="1858460438"/>
+                    </a:ext>
+                  </a:extLst>
+                </a:gridCol>
+                <a:gridCol w="1207154">
+                  <a:extLst>
+                    <a:ext uri="{9D8B030D-6E8A-4147-A177-3AD203B41FA5}">
+                      <a16:colId xmlns:a16="http://schemas.microsoft.com/office/drawing/2014/main" val="2556227020"/>
+                    </a:ext>
+                  </a:extLst>
+                </a:gridCol>
+              </a:tblGrid>
+              <a:tr h="370840">
+                <a:tc>
+                  <a:txBody>
+                    <a:bodyPr/>
+                    <a:lstStyle/>
+                    <a:p>
+                      <a:pPr algn="ctr" latinLnBrk="1"/>
+                      <a:r>
+                        <a:rPr lang="en-US" altLang="ko-KR" sz="1200" dirty="0"/>
+                        <a:t>Index</a:t>
+                      </a:r>
+                      <a:endParaRPr lang="ko-KR" altLang="en-US" sz="1200" dirty="0"/>
+                    </a:p>
+                  </a:txBody>
+                  <a:tcPr anchor="ctr"/>
+                </a:tc>
+                <a:tc>
+                  <a:txBody>
+                    <a:bodyPr/>
+                    <a:lstStyle/>
+                    <a:p>
+                      <a:pPr algn="ctr" latinLnBrk="1"/>
+                      <a:r>
+                        <a:rPr lang="en-US" altLang="ko-KR" sz="1200" dirty="0"/>
+                        <a:t>Method</a:t>
+                      </a:r>
+                      <a:endParaRPr lang="ko-KR" altLang="en-US" sz="1200" dirty="0"/>
+                    </a:p>
+                  </a:txBody>
+                  <a:tcPr anchor="ctr"/>
+                </a:tc>
+                <a:tc>
+                  <a:txBody>
+                    <a:bodyPr/>
+                    <a:lstStyle/>
+                    <a:p>
+                      <a:pPr algn="ctr" latinLnBrk="1"/>
+                      <a:r>
+                        <a:rPr lang="en-US" altLang="ko-KR" sz="1200" dirty="0"/>
+                        <a:t>URI</a:t>
+                      </a:r>
+                      <a:endParaRPr lang="ko-KR" altLang="en-US" sz="1200" dirty="0"/>
+                    </a:p>
+                  </a:txBody>
+                  <a:tcPr anchor="ctr"/>
+                </a:tc>
+                <a:tc>
+                  <a:txBody>
+                    <a:bodyPr/>
+                    <a:lstStyle/>
+                    <a:p>
+                      <a:pPr algn="ctr" latinLnBrk="1"/>
+                      <a:r>
+                        <a:rPr lang="ko-KR" altLang="en-US" sz="1200" dirty="0"/>
+                        <a:t>설명</a:t>
+                      </a:r>
+                    </a:p>
+                  </a:txBody>
+                  <a:tcPr anchor="ctr"/>
+                </a:tc>
+                <a:tc>
+                  <a:txBody>
+                    <a:bodyPr/>
+                    <a:lstStyle/>
+                    <a:p>
+                      <a:pPr algn="ctr" latinLnBrk="1"/>
+                      <a:r>
+                        <a:rPr lang="ko-KR" altLang="en-US" sz="1200" dirty="0"/>
+                        <a:t>화면</a:t>
+                      </a:r>
+                      <a:r>
+                        <a:rPr lang="en-US" altLang="ko-KR" sz="1200" dirty="0"/>
+                        <a:t>ID</a:t>
+                      </a:r>
+                      <a:endParaRPr lang="ko-KR" altLang="en-US" sz="1200" dirty="0"/>
+                    </a:p>
+                  </a:txBody>
+                  <a:tcPr anchor="ctr"/>
+                </a:tc>
+                <a:extLst>
+                  <a:ext uri="{0D108BD9-81ED-4DB2-BD59-A6C34878D82A}">
+                    <a16:rowId xmlns:a16="http://schemas.microsoft.com/office/drawing/2014/main" val="1216006683"/>
+                  </a:ext>
+                </a:extLst>
+              </a:tr>
+              <a:tr h="370840">
+                <a:tc>
+                  <a:txBody>
+                    <a:bodyPr/>
+                    <a:lstStyle/>
+                    <a:p>
+                      <a:pPr algn="ctr" latinLnBrk="1"/>
+                      <a:r>
+                        <a:rPr lang="en-US" altLang="ko-KR" sz="1200" dirty="0"/>
+                        <a:t>1</a:t>
+                      </a:r>
+                      <a:endParaRPr lang="ko-KR" altLang="en-US" sz="1200" dirty="0"/>
+                    </a:p>
+                  </a:txBody>
+                  <a:tcPr anchor="ctr"/>
+                </a:tc>
+                <a:tc>
+                  <a:txBody>
+                    <a:bodyPr/>
+                    <a:lstStyle/>
+                    <a:p>
+                      <a:pPr algn="ctr" latinLnBrk="1"/>
+                      <a:r>
+                        <a:rPr lang="en-US" altLang="ko-KR" sz="1200" dirty="0"/>
+                        <a:t>POST</a:t>
+                      </a:r>
+                      <a:endParaRPr lang="ko-KR" altLang="en-US" sz="1200" dirty="0"/>
+                    </a:p>
+                  </a:txBody>
+                  <a:tcPr anchor="ctr"/>
+                </a:tc>
+                <a:tc>
+                  <a:txBody>
+                    <a:bodyPr/>
+                    <a:lstStyle/>
+                    <a:p>
+                      <a:pPr algn="l" latinLnBrk="1"/>
+                      <a:r>
+                        <a:rPr lang="en-US" altLang="ko-KR" sz="1200" dirty="0"/>
+                        <a:t>/</a:t>
+                      </a:r>
+                      <a:r>
+                        <a:rPr lang="en-US" altLang="ko-KR" sz="1200" dirty="0" err="1"/>
+                        <a:t>api</a:t>
+                      </a:r>
+                      <a:r>
+                        <a:rPr lang="en-US" altLang="ko-KR" sz="1200" dirty="0"/>
+                        <a:t>/users/</a:t>
+                      </a:r>
+                      <a:r>
+                        <a:rPr lang="en-US" altLang="ko-KR" sz="1200" dirty="0" err="1"/>
+                        <a:t>shareboard</a:t>
+                      </a:r>
+                      <a:r>
+                        <a:rPr lang="en-US" altLang="ko-KR" sz="1200" dirty="0"/>
+                        <a:t>/{</a:t>
+                      </a:r>
+                      <a:r>
+                        <a:rPr lang="en-US" altLang="ko-KR" sz="1200" dirty="0" err="1"/>
+                        <a:t>shareboardid</a:t>
+                      </a:r>
+                      <a:r>
+                        <a:rPr lang="en-US" altLang="ko-KR" sz="1200" dirty="0"/>
+                        <a:t>}/</a:t>
+                      </a:r>
+                      <a:r>
+                        <a:rPr lang="en-US" altLang="ko-KR" sz="1200" dirty="0" err="1"/>
+                        <a:t>sharecomment</a:t>
+                      </a:r>
+                      <a:endParaRPr lang="ko-KR" altLang="en-US" sz="1200" dirty="0"/>
+                    </a:p>
+                  </a:txBody>
+                  <a:tcPr anchor="ctr"/>
+                </a:tc>
+                <a:tc>
+                  <a:txBody>
+                    <a:bodyPr/>
+                    <a:lstStyle/>
+                    <a:p>
+                      <a:pPr algn="ctr" latinLnBrk="1"/>
+                      <a:r>
+                        <a:rPr lang="ko-KR" altLang="en-US" sz="1200" dirty="0"/>
+                        <a:t>식물 나눔 게시판 댓글 </a:t>
+                      </a:r>
+                      <a:r>
+                        <a:rPr lang="en-US" altLang="ko-KR" sz="1200" dirty="0"/>
+                        <a:t>(</a:t>
+                      </a:r>
+                      <a:r>
+                        <a:rPr lang="ko-KR" altLang="en-US" sz="1200" dirty="0"/>
+                        <a:t>작성</a:t>
+                      </a:r>
+                      <a:r>
+                        <a:rPr lang="en-US" altLang="ko-KR" sz="1200" dirty="0"/>
+                        <a:t>)</a:t>
+                      </a:r>
+                      <a:endParaRPr lang="ko-KR" altLang="en-US" sz="1200" dirty="0"/>
+                    </a:p>
+                  </a:txBody>
+                  <a:tcPr anchor="ctr"/>
+                </a:tc>
+                <a:tc>
+                  <a:txBody>
+                    <a:bodyPr/>
+                    <a:lstStyle/>
+                    <a:p>
+                      <a:pPr algn="ctr" latinLnBrk="1"/>
+                      <a:endParaRPr lang="ko-KR" altLang="en-US" sz="1200" dirty="0"/>
+                    </a:p>
+                  </a:txBody>
+                  <a:tcPr anchor="ctr"/>
+                </a:tc>
+                <a:extLst>
+                  <a:ext uri="{0D108BD9-81ED-4DB2-BD59-A6C34878D82A}">
+                    <a16:rowId xmlns:a16="http://schemas.microsoft.com/office/drawing/2014/main" val="2605373206"/>
+                  </a:ext>
+                </a:extLst>
+              </a:tr>
+              <a:tr h="370840">
+                <a:tc>
+                  <a:txBody>
+                    <a:bodyPr/>
+                    <a:lstStyle/>
+                    <a:p>
+                      <a:pPr algn="ctr" latinLnBrk="1"/>
+                      <a:r>
+                        <a:rPr lang="en-US" altLang="ko-KR" sz="1200" dirty="0"/>
+                        <a:t>2</a:t>
+                      </a:r>
+                      <a:endParaRPr lang="ko-KR" altLang="en-US" sz="1200" dirty="0"/>
+                    </a:p>
+                  </a:txBody>
+                  <a:tcPr anchor="ctr"/>
+                </a:tc>
+                <a:tc>
+                  <a:txBody>
+                    <a:bodyPr/>
+                    <a:lstStyle/>
+                    <a:p>
+                      <a:pPr marL="0" marR="0" lvl="0" indent="0" algn="ctr" defTabSz="914400" rtl="0" eaLnBrk="1" fontAlgn="auto" latinLnBrk="1" hangingPunct="1">
+                        <a:lnSpc>
+                          <a:spcPct val="100000"/>
+                        </a:lnSpc>
+                        <a:spcBef>
+                          <a:spcPts val="0"/>
+                        </a:spcBef>
+                        <a:spcAft>
+                          <a:spcPts val="0"/>
+                        </a:spcAft>
+                        <a:buClrTx/>
+                        <a:buSzTx/>
+                        <a:buFontTx/>
+                        <a:buNone/>
+                        <a:tabLst/>
+                        <a:defRPr/>
+                      </a:pPr>
+                      <a:r>
+                        <a:rPr lang="en-US" altLang="ko-KR" sz="1200" dirty="0"/>
+                        <a:t>PUT/DELETE</a:t>
+                      </a:r>
+                      <a:endParaRPr lang="ko-KR" altLang="en-US" sz="1200" dirty="0"/>
+                    </a:p>
+                  </a:txBody>
+                  <a:tcPr anchor="ctr"/>
+                </a:tc>
+                <a:tc>
+                  <a:txBody>
+                    <a:bodyPr/>
+                    <a:lstStyle/>
+                    <a:p>
+                      <a:pPr marL="0" marR="0" lvl="0" indent="0" algn="l" defTabSz="914400" rtl="0" eaLnBrk="1" fontAlgn="auto" latinLnBrk="1" hangingPunct="1">
+                        <a:lnSpc>
+                          <a:spcPct val="100000"/>
+                        </a:lnSpc>
+                        <a:spcBef>
+                          <a:spcPts val="0"/>
+                        </a:spcBef>
+                        <a:spcAft>
+                          <a:spcPts val="0"/>
+                        </a:spcAft>
+                        <a:buClrTx/>
+                        <a:buSzTx/>
+                        <a:buFontTx/>
+                        <a:buNone/>
+                        <a:tabLst/>
+                        <a:defRPr/>
+                      </a:pPr>
+                      <a:r>
+                        <a:rPr lang="en-US" altLang="ko-KR" sz="1200" dirty="0"/>
+                        <a:t>/</a:t>
+                      </a:r>
+                      <a:r>
+                        <a:rPr lang="en-US" altLang="ko-KR" sz="1200" dirty="0" err="1"/>
+                        <a:t>api</a:t>
+                      </a:r>
+                      <a:r>
+                        <a:rPr lang="en-US" altLang="ko-KR" sz="1200" dirty="0"/>
+                        <a:t>/users/</a:t>
+                      </a:r>
+                      <a:r>
+                        <a:rPr lang="en-US" altLang="ko-KR" sz="1200" dirty="0" err="1"/>
+                        <a:t>shareboard</a:t>
+                      </a:r>
+                      <a:r>
+                        <a:rPr lang="en-US" altLang="ko-KR" sz="1200" dirty="0"/>
+                        <a:t>/</a:t>
+                      </a:r>
+                      <a:r>
+                        <a:rPr lang="en-US" altLang="ko-KR" sz="1200" dirty="0" err="1"/>
+                        <a:t>sharecomment</a:t>
+                      </a:r>
+                      <a:r>
+                        <a:rPr lang="en-US" altLang="ko-KR" sz="1200" dirty="0"/>
+                        <a:t>/{</a:t>
+                      </a:r>
+                      <a:r>
+                        <a:rPr lang="en-US" altLang="ko-KR" sz="1200" dirty="0" err="1"/>
+                        <a:t>sharecommentid</a:t>
+                      </a:r>
+                      <a:r>
+                        <a:rPr lang="en-US" altLang="ko-KR" sz="1200" dirty="0"/>
+                        <a:t>}</a:t>
+                      </a:r>
+                      <a:endParaRPr lang="ko-KR" altLang="en-US" sz="1200" dirty="0"/>
+                    </a:p>
+                  </a:txBody>
+                  <a:tcPr anchor="ctr"/>
+                </a:tc>
+                <a:tc>
+                  <a:txBody>
+                    <a:bodyPr/>
+                    <a:lstStyle/>
+                    <a:p>
+                      <a:pPr algn="ctr" latinLnBrk="1"/>
+                      <a:r>
+                        <a:rPr lang="ko-KR" altLang="en-US" sz="1200" dirty="0"/>
+                        <a:t>식물 나눔 게시판 댓글 </a:t>
+                      </a:r>
+                      <a:r>
+                        <a:rPr lang="en-US" altLang="ko-KR" sz="1200" dirty="0"/>
+                        <a:t>(</a:t>
+                      </a:r>
+                      <a:r>
+                        <a:rPr lang="ko-KR" altLang="en-US" sz="1200" dirty="0"/>
+                        <a:t>수정</a:t>
+                      </a:r>
+                      <a:r>
+                        <a:rPr lang="en-US" altLang="ko-KR" sz="1200" dirty="0"/>
+                        <a:t>,</a:t>
+                      </a:r>
+                      <a:r>
+                        <a:rPr lang="ko-KR" altLang="en-US" sz="1200" dirty="0"/>
+                        <a:t> 삭제</a:t>
+                      </a:r>
+                      <a:r>
+                        <a:rPr lang="en-US" altLang="ko-KR" sz="1200" dirty="0"/>
+                        <a:t>)</a:t>
+                      </a:r>
+                      <a:endParaRPr lang="ko-KR" altLang="en-US" sz="1200" dirty="0"/>
+                    </a:p>
+                  </a:txBody>
+                  <a:tcPr anchor="ctr"/>
+                </a:tc>
+                <a:tc>
+                  <a:txBody>
+                    <a:bodyPr/>
+                    <a:lstStyle/>
+                    <a:p>
+                      <a:pPr algn="ctr" latinLnBrk="1"/>
+                      <a:endParaRPr lang="ko-KR" altLang="en-US" sz="1200" dirty="0"/>
+                    </a:p>
+                  </a:txBody>
+                  <a:tcPr anchor="ctr"/>
+                </a:tc>
+                <a:extLst>
+                  <a:ext uri="{0D108BD9-81ED-4DB2-BD59-A6C34878D82A}">
+                    <a16:rowId xmlns:a16="http://schemas.microsoft.com/office/drawing/2014/main" val="1220742687"/>
+                  </a:ext>
+                </a:extLst>
+              </a:tr>
+              <a:tr h="370840">
+                <a:tc>
+                  <a:txBody>
+                    <a:bodyPr/>
+                    <a:lstStyle/>
+                    <a:p>
+                      <a:pPr algn="ctr" latinLnBrk="1"/>
+                      <a:r>
+                        <a:rPr lang="en-US" altLang="ko-KR" sz="1200" dirty="0"/>
+                        <a:t>3</a:t>
+                      </a:r>
+                      <a:endParaRPr lang="ko-KR" altLang="en-US" sz="1200" dirty="0"/>
+                    </a:p>
+                  </a:txBody>
+                  <a:tcPr anchor="ctr"/>
+                </a:tc>
+                <a:tc>
+                  <a:txBody>
+                    <a:bodyPr/>
+                    <a:lstStyle/>
+                    <a:p>
+                      <a:pPr algn="ctr" latinLnBrk="1"/>
+                      <a:endParaRPr lang="ko-KR" altLang="en-US" sz="1200" dirty="0"/>
+                    </a:p>
+                  </a:txBody>
+                  <a:tcPr anchor="ctr"/>
+                </a:tc>
+                <a:tc>
+                  <a:txBody>
+                    <a:bodyPr/>
+                    <a:lstStyle/>
+                    <a:p>
+                      <a:pPr algn="l" latinLnBrk="1"/>
+                      <a:endParaRPr lang="ko-KR" altLang="en-US" sz="1200" dirty="0"/>
+                    </a:p>
+                  </a:txBody>
+                  <a:tcPr anchor="ctr"/>
+                </a:tc>
+                <a:tc>
+                  <a:txBody>
+                    <a:bodyPr/>
+                    <a:lstStyle/>
+                    <a:p>
+                      <a:pPr algn="ctr" latinLnBrk="1"/>
+                      <a:endParaRPr lang="ko-KR" altLang="en-US" sz="1200" dirty="0"/>
+                    </a:p>
+                  </a:txBody>
+                  <a:tcPr anchor="ctr"/>
+                </a:tc>
+                <a:tc>
+                  <a:txBody>
+                    <a:bodyPr/>
+                    <a:lstStyle/>
+                    <a:p>
+                      <a:pPr algn="ctr" latinLnBrk="1"/>
+                      <a:endParaRPr lang="ko-KR" altLang="en-US" sz="1200" dirty="0"/>
+                    </a:p>
+                  </a:txBody>
+                  <a:tcPr anchor="ctr"/>
+                </a:tc>
+                <a:extLst>
+                  <a:ext uri="{0D108BD9-81ED-4DB2-BD59-A6C34878D82A}">
+                    <a16:rowId xmlns:a16="http://schemas.microsoft.com/office/drawing/2014/main" val="1088903168"/>
+                  </a:ext>
+                </a:extLst>
+              </a:tr>
+              <a:tr h="370840">
+                <a:tc>
+                  <a:txBody>
+                    <a:bodyPr/>
+                    <a:lstStyle/>
+                    <a:p>
+                      <a:pPr algn="ctr" latinLnBrk="1"/>
+                      <a:r>
+                        <a:rPr lang="en-US" altLang="ko-KR" sz="1200" dirty="0"/>
+                        <a:t>4</a:t>
+                      </a:r>
+                      <a:endParaRPr lang="ko-KR" altLang="en-US" sz="1200" dirty="0"/>
+                    </a:p>
+                  </a:txBody>
+                  <a:tcPr anchor="ctr"/>
+                </a:tc>
+                <a:tc>
+                  <a:txBody>
+                    <a:bodyPr/>
+                    <a:lstStyle/>
+                    <a:p>
+                      <a:pPr algn="ctr" latinLnBrk="1"/>
+                      <a:endParaRPr lang="ko-KR" altLang="en-US" sz="1200" dirty="0"/>
+                    </a:p>
+                  </a:txBody>
+                  <a:tcPr anchor="ctr"/>
+                </a:tc>
+                <a:tc>
+                  <a:txBody>
+                    <a:bodyPr/>
+                    <a:lstStyle/>
+                    <a:p>
+                      <a:pPr algn="l" latinLnBrk="1"/>
+                      <a:endParaRPr lang="ko-KR" altLang="en-US" sz="1200" dirty="0"/>
+                    </a:p>
+                  </a:txBody>
+                  <a:tcPr anchor="ctr"/>
+                </a:tc>
+                <a:tc>
+                  <a:txBody>
+                    <a:bodyPr/>
+                    <a:lstStyle/>
+                    <a:p>
+                      <a:pPr algn="ctr" latinLnBrk="1"/>
+                      <a:endParaRPr lang="ko-KR" altLang="en-US" sz="1200" dirty="0"/>
+                    </a:p>
+                  </a:txBody>
+                  <a:tcPr anchor="ctr"/>
+                </a:tc>
+                <a:tc>
+                  <a:txBody>
+                    <a:bodyPr/>
+                    <a:lstStyle/>
+                    <a:p>
+                      <a:pPr algn="ctr" latinLnBrk="1"/>
+                      <a:endParaRPr lang="ko-KR" altLang="en-US" sz="1200" dirty="0"/>
+                    </a:p>
+                  </a:txBody>
+                  <a:tcPr anchor="ctr"/>
+                </a:tc>
+                <a:extLst>
+                  <a:ext uri="{0D108BD9-81ED-4DB2-BD59-A6C34878D82A}">
+                    <a16:rowId xmlns:a16="http://schemas.microsoft.com/office/drawing/2014/main" val="1198647999"/>
+                  </a:ext>
+                </a:extLst>
+              </a:tr>
+              <a:tr h="370840">
+                <a:tc>
+                  <a:txBody>
+                    <a:bodyPr/>
+                    <a:lstStyle/>
+                    <a:p>
+                      <a:pPr algn="ctr" latinLnBrk="1"/>
+                      <a:r>
+                        <a:rPr lang="en-US" altLang="ko-KR" sz="1200" dirty="0"/>
+                        <a:t>5</a:t>
+                      </a:r>
+                      <a:endParaRPr lang="ko-KR" altLang="en-US" sz="1200" dirty="0"/>
+                    </a:p>
+                  </a:txBody>
+                  <a:tcPr anchor="ctr"/>
+                </a:tc>
+                <a:tc>
+                  <a:txBody>
+                    <a:bodyPr/>
+                    <a:lstStyle/>
+                    <a:p>
+                      <a:pPr marL="0" marR="0" lvl="0" indent="0" algn="ctr" defTabSz="914400" rtl="0" eaLnBrk="1" fontAlgn="auto" latinLnBrk="1" hangingPunct="1">
+                        <a:lnSpc>
+                          <a:spcPct val="100000"/>
+                        </a:lnSpc>
+                        <a:spcBef>
+                          <a:spcPts val="0"/>
+                        </a:spcBef>
+                        <a:spcAft>
+                          <a:spcPts val="0"/>
+                        </a:spcAft>
+                        <a:buClrTx/>
+                        <a:buSzTx/>
+                        <a:buFontTx/>
+                        <a:buNone/>
+                        <a:tabLst/>
+                        <a:defRPr/>
+                      </a:pPr>
+                      <a:endParaRPr lang="ko-KR" altLang="en-US" sz="1200" dirty="0"/>
+                    </a:p>
+                  </a:txBody>
+                  <a:tcPr anchor="ctr"/>
+                </a:tc>
+                <a:tc>
+                  <a:txBody>
+                    <a:bodyPr/>
+                    <a:lstStyle/>
+                    <a:p>
+                      <a:pPr algn="l" latinLnBrk="1"/>
+                      <a:endParaRPr lang="ko-KR" altLang="en-US" sz="1200" dirty="0"/>
+                    </a:p>
+                  </a:txBody>
+                  <a:tcPr anchor="ctr"/>
+                </a:tc>
+                <a:tc>
+                  <a:txBody>
+                    <a:bodyPr/>
+                    <a:lstStyle/>
+                    <a:p>
+                      <a:pPr marL="0" marR="0" lvl="0" indent="0" algn="ctr" defTabSz="914400" rtl="0" eaLnBrk="1" fontAlgn="auto" latinLnBrk="1" hangingPunct="1">
+                        <a:lnSpc>
+                          <a:spcPct val="100000"/>
+                        </a:lnSpc>
+                        <a:spcBef>
+                          <a:spcPts val="0"/>
+                        </a:spcBef>
+                        <a:spcAft>
+                          <a:spcPts val="0"/>
+                        </a:spcAft>
+                        <a:buClrTx/>
+                        <a:buSzTx/>
+                        <a:buFontTx/>
+                        <a:buNone/>
+                        <a:tabLst/>
+                        <a:defRPr/>
+                      </a:pPr>
+                      <a:endParaRPr lang="ko-KR" altLang="en-US" sz="1200" dirty="0"/>
+                    </a:p>
+                  </a:txBody>
+                  <a:tcPr anchor="ctr"/>
+                </a:tc>
+                <a:tc>
+                  <a:txBody>
+                    <a:bodyPr/>
+                    <a:lstStyle/>
+                    <a:p>
+                      <a:pPr algn="ctr" latinLnBrk="1"/>
+                      <a:endParaRPr lang="ko-KR" altLang="en-US" sz="1200" dirty="0"/>
+                    </a:p>
+                  </a:txBody>
+                  <a:tcPr anchor="ctr"/>
+                </a:tc>
+                <a:extLst>
+                  <a:ext uri="{0D108BD9-81ED-4DB2-BD59-A6C34878D82A}">
+                    <a16:rowId xmlns:a16="http://schemas.microsoft.com/office/drawing/2014/main" val="540396122"/>
+                  </a:ext>
+                </a:extLst>
+              </a:tr>
+              <a:tr h="370840">
+                <a:tc>
+                  <a:txBody>
+                    <a:bodyPr/>
+                    <a:lstStyle/>
+                    <a:p>
+                      <a:pPr algn="ctr" latinLnBrk="1"/>
+                      <a:r>
+                        <a:rPr lang="en-US" altLang="ko-KR" sz="1200" dirty="0"/>
+                        <a:t>6</a:t>
+                      </a:r>
+                      <a:endParaRPr lang="ko-KR" altLang="en-US" sz="1200" dirty="0"/>
+                    </a:p>
+                  </a:txBody>
+                  <a:tcPr anchor="ctr"/>
+                </a:tc>
+                <a:tc>
+                  <a:txBody>
+                    <a:bodyPr/>
+                    <a:lstStyle/>
+                    <a:p>
+                      <a:pPr algn="ctr" latinLnBrk="1"/>
+                      <a:endParaRPr lang="ko-KR" altLang="en-US" sz="1200" dirty="0"/>
+                    </a:p>
+                  </a:txBody>
+                  <a:tcPr anchor="ctr"/>
+                </a:tc>
+                <a:tc>
+                  <a:txBody>
+                    <a:bodyPr/>
+                    <a:lstStyle/>
+                    <a:p>
+                      <a:pPr algn="l" latinLnBrk="1"/>
+                      <a:endParaRPr lang="ko-KR" altLang="en-US" sz="1200" dirty="0"/>
+                    </a:p>
+                  </a:txBody>
+                  <a:tcPr anchor="ctr"/>
+                </a:tc>
+                <a:tc>
+                  <a:txBody>
+                    <a:bodyPr/>
+                    <a:lstStyle/>
+                    <a:p>
+                      <a:pPr algn="ctr" latinLnBrk="1"/>
+                      <a:endParaRPr lang="ko-KR" altLang="en-US" sz="1200" dirty="0"/>
+                    </a:p>
+                  </a:txBody>
+                  <a:tcPr anchor="ctr"/>
+                </a:tc>
+                <a:tc>
+                  <a:txBody>
+                    <a:bodyPr/>
+                    <a:lstStyle/>
+                    <a:p>
+                      <a:pPr algn="ctr" latinLnBrk="1"/>
+                      <a:endParaRPr lang="ko-KR" altLang="en-US" sz="1200" dirty="0"/>
+                    </a:p>
+                  </a:txBody>
+                  <a:tcPr anchor="ctr"/>
+                </a:tc>
+                <a:extLst>
+                  <a:ext uri="{0D108BD9-81ED-4DB2-BD59-A6C34878D82A}">
+                    <a16:rowId xmlns:a16="http://schemas.microsoft.com/office/drawing/2014/main" val="211432579"/>
+                  </a:ext>
+                </a:extLst>
+              </a:tr>
+              <a:tr h="370840">
+                <a:tc>
+                  <a:txBody>
+                    <a:bodyPr/>
+                    <a:lstStyle/>
+                    <a:p>
+                      <a:pPr algn="ctr" latinLnBrk="1"/>
+                      <a:r>
+                        <a:rPr lang="en-US" altLang="ko-KR" sz="1200" dirty="0"/>
+                        <a:t>7</a:t>
+                      </a:r>
+                      <a:endParaRPr lang="ko-KR" altLang="en-US" sz="1200" dirty="0"/>
+                    </a:p>
+                  </a:txBody>
+                  <a:tcPr anchor="ctr"/>
+                </a:tc>
+                <a:tc>
+                  <a:txBody>
+                    <a:bodyPr/>
+                    <a:lstStyle/>
+                    <a:p>
+                      <a:pPr marL="0" marR="0" lvl="0" indent="0" algn="ctr" defTabSz="914400" rtl="0" eaLnBrk="1" fontAlgn="auto" latinLnBrk="1" hangingPunct="1">
+                        <a:lnSpc>
+                          <a:spcPct val="100000"/>
+                        </a:lnSpc>
+                        <a:spcBef>
+                          <a:spcPts val="0"/>
+                        </a:spcBef>
+                        <a:spcAft>
+                          <a:spcPts val="0"/>
+                        </a:spcAft>
+                        <a:buClrTx/>
+                        <a:buSzTx/>
+                        <a:buFontTx/>
+                        <a:buNone/>
+                        <a:tabLst/>
+                        <a:defRPr/>
+                      </a:pPr>
+                      <a:endParaRPr lang="ko-KR" altLang="en-US" sz="1200" dirty="0"/>
+                    </a:p>
+                  </a:txBody>
+                  <a:tcPr anchor="ctr"/>
+                </a:tc>
+                <a:tc>
+                  <a:txBody>
+                    <a:bodyPr/>
+                    <a:lstStyle/>
+                    <a:p>
+                      <a:pPr algn="l" latinLnBrk="1"/>
+                      <a:endParaRPr lang="ko-KR" altLang="en-US" sz="1200" dirty="0"/>
+                    </a:p>
+                  </a:txBody>
+                  <a:tcPr anchor="ctr"/>
+                </a:tc>
+                <a:tc>
+                  <a:txBody>
+                    <a:bodyPr/>
+                    <a:lstStyle/>
+                    <a:p>
+                      <a:pPr marL="0" marR="0" lvl="0" indent="0" algn="ctr" defTabSz="914400" rtl="0" eaLnBrk="1" fontAlgn="auto" latinLnBrk="1" hangingPunct="1">
+                        <a:lnSpc>
+                          <a:spcPct val="100000"/>
+                        </a:lnSpc>
+                        <a:spcBef>
+                          <a:spcPts val="0"/>
+                        </a:spcBef>
+                        <a:spcAft>
+                          <a:spcPts val="0"/>
+                        </a:spcAft>
+                        <a:buClrTx/>
+                        <a:buSzTx/>
+                        <a:buFontTx/>
+                        <a:buNone/>
+                        <a:tabLst/>
+                        <a:defRPr/>
+                      </a:pPr>
+                      <a:endParaRPr lang="ko-KR" altLang="en-US" sz="1200" dirty="0"/>
+                    </a:p>
+                  </a:txBody>
+                  <a:tcPr anchor="ctr"/>
+                </a:tc>
+                <a:tc>
+                  <a:txBody>
+                    <a:bodyPr/>
+                    <a:lstStyle/>
+                    <a:p>
+                      <a:pPr algn="ctr" latinLnBrk="1"/>
+                      <a:endParaRPr lang="ko-KR" altLang="en-US" sz="1200" dirty="0"/>
+                    </a:p>
+                  </a:txBody>
+                  <a:tcPr anchor="ctr"/>
+                </a:tc>
+                <a:extLst>
+                  <a:ext uri="{0D108BD9-81ED-4DB2-BD59-A6C34878D82A}">
+                    <a16:rowId xmlns:a16="http://schemas.microsoft.com/office/drawing/2014/main" val="993039912"/>
+                  </a:ext>
+                </a:extLst>
+              </a:tr>
+              <a:tr h="370840">
+                <a:tc>
+                  <a:txBody>
+                    <a:bodyPr/>
+                    <a:lstStyle/>
+                    <a:p>
+                      <a:pPr algn="ctr" latinLnBrk="1"/>
+                      <a:r>
+                        <a:rPr lang="en-US" altLang="ko-KR" sz="1200" dirty="0"/>
+                        <a:t>8</a:t>
+                      </a:r>
+                      <a:endParaRPr lang="ko-KR" altLang="en-US" sz="1200" dirty="0"/>
+                    </a:p>
+                  </a:txBody>
+                  <a:tcPr anchor="ctr"/>
+                </a:tc>
+                <a:tc>
+                  <a:txBody>
+                    <a:bodyPr/>
+                    <a:lstStyle/>
+                    <a:p>
+                      <a:pPr marL="0" marR="0" lvl="0" indent="0" algn="ctr" defTabSz="914400" rtl="0" eaLnBrk="1" fontAlgn="auto" latinLnBrk="1" hangingPunct="1">
+                        <a:lnSpc>
+                          <a:spcPct val="100000"/>
+                        </a:lnSpc>
+                        <a:spcBef>
+                          <a:spcPts val="0"/>
+                        </a:spcBef>
+                        <a:spcAft>
+                          <a:spcPts val="0"/>
+                        </a:spcAft>
+                        <a:buClrTx/>
+                        <a:buSzTx/>
+                        <a:buFontTx/>
+                        <a:buNone/>
+                        <a:tabLst/>
+                        <a:defRPr/>
+                      </a:pPr>
+                      <a:endParaRPr lang="ko-KR" altLang="en-US" sz="1200" dirty="0"/>
+                    </a:p>
+                  </a:txBody>
+                  <a:tcPr anchor="ctr"/>
+                </a:tc>
+                <a:tc>
+                  <a:txBody>
+                    <a:bodyPr/>
+                    <a:lstStyle/>
+                    <a:p>
+                      <a:pPr algn="l" latinLnBrk="1"/>
+                      <a:endParaRPr lang="ko-KR" altLang="en-US" sz="1200" dirty="0"/>
+                    </a:p>
+                  </a:txBody>
+                  <a:tcPr anchor="ctr"/>
+                </a:tc>
+                <a:tc>
+                  <a:txBody>
+                    <a:bodyPr/>
+                    <a:lstStyle/>
+                    <a:p>
+                      <a:pPr algn="ctr" latinLnBrk="1"/>
+                      <a:endParaRPr lang="ko-KR" altLang="en-US" sz="1200" dirty="0"/>
+                    </a:p>
+                  </a:txBody>
+                  <a:tcPr anchor="ctr"/>
+                </a:tc>
+                <a:tc>
+                  <a:txBody>
+                    <a:bodyPr/>
+                    <a:lstStyle/>
+                    <a:p>
+                      <a:pPr algn="ctr" latinLnBrk="1"/>
+                      <a:endParaRPr lang="ko-KR" altLang="en-US" sz="1200" dirty="0"/>
+                    </a:p>
+                  </a:txBody>
+                  <a:tcPr anchor="ctr"/>
+                </a:tc>
+                <a:extLst>
+                  <a:ext uri="{0D108BD9-81ED-4DB2-BD59-A6C34878D82A}">
+                    <a16:rowId xmlns:a16="http://schemas.microsoft.com/office/drawing/2014/main" val="3309296862"/>
+                  </a:ext>
+                </a:extLst>
+              </a:tr>
+              <a:tr h="370840">
+                <a:tc>
+                  <a:txBody>
+                    <a:bodyPr/>
+                    <a:lstStyle/>
+                    <a:p>
+                      <a:pPr algn="ctr" latinLnBrk="1"/>
+                      <a:r>
+                        <a:rPr lang="en-US" altLang="ko-KR" sz="1200" dirty="0"/>
+                        <a:t>9</a:t>
+                      </a:r>
+                      <a:endParaRPr lang="ko-KR" altLang="en-US" sz="1200" dirty="0"/>
+                    </a:p>
+                  </a:txBody>
+                  <a:tcPr anchor="ctr"/>
+                </a:tc>
+                <a:tc>
+                  <a:txBody>
+                    <a:bodyPr/>
+                    <a:lstStyle/>
+                    <a:p>
+                      <a:pPr marL="0" marR="0" lvl="0" indent="0" algn="ctr" defTabSz="914400" rtl="0" eaLnBrk="1" fontAlgn="auto" latinLnBrk="1" hangingPunct="1">
+                        <a:lnSpc>
+                          <a:spcPct val="100000"/>
+                        </a:lnSpc>
+                        <a:spcBef>
+                          <a:spcPts val="0"/>
+                        </a:spcBef>
+                        <a:spcAft>
+                          <a:spcPts val="0"/>
+                        </a:spcAft>
+                        <a:buClrTx/>
+                        <a:buSzTx/>
+                        <a:buFontTx/>
+                        <a:buNone/>
+                        <a:tabLst/>
+                        <a:defRPr/>
+                      </a:pPr>
+                      <a:endParaRPr lang="ko-KR" altLang="en-US" sz="1200" dirty="0"/>
+                    </a:p>
+                  </a:txBody>
+                  <a:tcPr anchor="ctr"/>
+                </a:tc>
+                <a:tc>
+                  <a:txBody>
+                    <a:bodyPr/>
+                    <a:lstStyle/>
+                    <a:p>
+                      <a:pPr marL="0" marR="0" lvl="0" indent="0" algn="l" defTabSz="914400" rtl="0" eaLnBrk="1" fontAlgn="auto" latinLnBrk="1" hangingPunct="1">
+                        <a:lnSpc>
+                          <a:spcPct val="100000"/>
+                        </a:lnSpc>
+                        <a:spcBef>
+                          <a:spcPts val="0"/>
+                        </a:spcBef>
+                        <a:spcAft>
+                          <a:spcPts val="0"/>
+                        </a:spcAft>
+                        <a:buClrTx/>
+                        <a:buSzTx/>
+                        <a:buFontTx/>
+                        <a:buNone/>
+                        <a:tabLst/>
+                        <a:defRPr/>
+                      </a:pPr>
+                      <a:endParaRPr lang="ko-KR" altLang="en-US" sz="1200" dirty="0"/>
+                    </a:p>
+                  </a:txBody>
+                  <a:tcPr anchor="ctr"/>
+                </a:tc>
+                <a:tc>
+                  <a:txBody>
+                    <a:bodyPr/>
+                    <a:lstStyle/>
+                    <a:p>
+                      <a:pPr algn="ctr" latinLnBrk="1"/>
+                      <a:endParaRPr lang="ko-KR" altLang="en-US" sz="1200" dirty="0"/>
+                    </a:p>
+                  </a:txBody>
+                  <a:tcPr anchor="ctr"/>
+                </a:tc>
+                <a:tc>
+                  <a:txBody>
+                    <a:bodyPr/>
+                    <a:lstStyle/>
+                    <a:p>
+                      <a:pPr algn="ctr" latinLnBrk="1"/>
+                      <a:endParaRPr lang="ko-KR" altLang="en-US" sz="1200" dirty="0"/>
+                    </a:p>
+                  </a:txBody>
+                  <a:tcPr anchor="ctr"/>
+                </a:tc>
+                <a:extLst>
+                  <a:ext uri="{0D108BD9-81ED-4DB2-BD59-A6C34878D82A}">
+                    <a16:rowId xmlns:a16="http://schemas.microsoft.com/office/drawing/2014/main" val="1094784282"/>
+                  </a:ext>
+                </a:extLst>
+              </a:tr>
+              <a:tr h="370840">
+                <a:tc>
+                  <a:txBody>
+                    <a:bodyPr/>
+                    <a:lstStyle/>
+                    <a:p>
+                      <a:pPr algn="ctr" latinLnBrk="1"/>
+                      <a:r>
+                        <a:rPr lang="en-US" altLang="ko-KR" sz="1200" dirty="0"/>
+                        <a:t>10</a:t>
+                      </a:r>
+                      <a:endParaRPr lang="ko-KR" altLang="en-US" sz="1200" dirty="0"/>
+                    </a:p>
+                  </a:txBody>
+                  <a:tcPr anchor="ctr"/>
+                </a:tc>
+                <a:tc>
+                  <a:txBody>
+                    <a:bodyPr/>
+                    <a:lstStyle/>
+                    <a:p>
+                      <a:pPr algn="ctr" latinLnBrk="1"/>
+                      <a:endParaRPr lang="ko-KR" altLang="en-US" sz="1200" dirty="0"/>
+                    </a:p>
+                  </a:txBody>
+                  <a:tcPr anchor="ctr"/>
+                </a:tc>
+                <a:tc>
+                  <a:txBody>
+                    <a:bodyPr/>
+                    <a:lstStyle/>
+                    <a:p>
+                      <a:pPr algn="l" latinLnBrk="1"/>
+                      <a:endParaRPr lang="ko-KR" altLang="en-US" sz="1200" dirty="0"/>
+                    </a:p>
+                  </a:txBody>
+                  <a:tcPr anchor="ctr"/>
+                </a:tc>
+                <a:tc>
+                  <a:txBody>
+                    <a:bodyPr/>
+                    <a:lstStyle/>
+                    <a:p>
+                      <a:pPr marL="0" marR="0" lvl="0" indent="0" algn="ctr" defTabSz="914400" rtl="0" eaLnBrk="1" fontAlgn="auto" latinLnBrk="1" hangingPunct="1">
+                        <a:lnSpc>
+                          <a:spcPct val="100000"/>
+                        </a:lnSpc>
+                        <a:spcBef>
+                          <a:spcPts val="0"/>
+                        </a:spcBef>
+                        <a:spcAft>
+                          <a:spcPts val="0"/>
+                        </a:spcAft>
+                        <a:buClrTx/>
+                        <a:buSzTx/>
+                        <a:buFontTx/>
+                        <a:buNone/>
+                        <a:tabLst/>
+                        <a:defRPr/>
+                      </a:pPr>
+                      <a:endParaRPr lang="ko-KR" altLang="en-US" sz="1200" dirty="0"/>
+                    </a:p>
+                  </a:txBody>
+                  <a:tcPr anchor="ctr"/>
+                </a:tc>
+                <a:tc>
+                  <a:txBody>
+                    <a:bodyPr/>
+                    <a:lstStyle/>
+                    <a:p>
+                      <a:pPr algn="ctr" latinLnBrk="1"/>
+                      <a:endParaRPr lang="ko-KR" altLang="en-US" sz="1200" dirty="0"/>
+                    </a:p>
+                  </a:txBody>
+                  <a:tcPr anchor="ctr"/>
+                </a:tc>
+                <a:extLst>
+                  <a:ext uri="{0D108BD9-81ED-4DB2-BD59-A6C34878D82A}">
+                    <a16:rowId xmlns:a16="http://schemas.microsoft.com/office/drawing/2014/main" val="463857622"/>
+                  </a:ext>
+                </a:extLst>
+              </a:tr>
+            </a:tbl>
+          </a:graphicData>
+        </a:graphic>
+      </p:graphicFrame>
+      <p:sp>
+        <p:nvSpPr>
+          <p:cNvPr id="2" name="TextBox 1">
+            <a:extLst>
+              <a:ext uri="{FF2B5EF4-FFF2-40B4-BE49-F238E27FC236}">
+                <a16:creationId xmlns:a16="http://schemas.microsoft.com/office/drawing/2014/main" id="{664C6762-AD71-41CD-BE89-8B8374C59343}"/>
+              </a:ext>
+            </a:extLst>
+          </p:cNvPr>
+          <p:cNvSpPr txBox="1"/>
+          <p:nvPr/>
+        </p:nvSpPr>
+        <p:spPr>
+          <a:xfrm>
+            <a:off x="8330268" y="578840"/>
+            <a:ext cx="2617365" cy="923330"/>
+          </a:xfrm>
+          <a:prstGeom prst="rect">
+            <a:avLst/>
+          </a:prstGeom>
+          <a:noFill/>
+        </p:spPr>
+        <p:txBody>
+          <a:bodyPr wrap="square" rtlCol="0">
+            <a:spAutoFit/>
+          </a:bodyPr>
+          <a:lstStyle/>
+          <a:p>
+            <a:r>
+              <a:rPr lang="en-US" altLang="ko-KR" dirty="0"/>
+              <a:t>/public/**</a:t>
+            </a:r>
+          </a:p>
+          <a:p>
+            <a:r>
+              <a:rPr lang="en-US" altLang="ko-KR" dirty="0"/>
+              <a:t>/</a:t>
+            </a:r>
+            <a:r>
+              <a:rPr lang="en-US" altLang="ko-KR" dirty="0" err="1"/>
+              <a:t>api</a:t>
+            </a:r>
+            <a:r>
+              <a:rPr lang="en-US" altLang="ko-KR" dirty="0"/>
+              <a:t>/**</a:t>
+            </a:r>
+          </a:p>
+          <a:p>
+            <a:r>
+              <a:rPr lang="en-US" altLang="ko-KR" dirty="0"/>
+              <a:t>/</a:t>
+            </a:r>
+            <a:r>
+              <a:rPr lang="en-US" altLang="ko-KR" dirty="0" err="1"/>
+              <a:t>api</a:t>
+            </a:r>
+            <a:r>
+              <a:rPr lang="en-US" altLang="ko-KR" dirty="0"/>
+              <a:t>/auth/**</a:t>
+            </a:r>
+            <a:endParaRPr lang="ko-KR" altLang="en-US" dirty="0"/>
+          </a:p>
+        </p:txBody>
+      </p:sp>
+    </p:spTree>
+    <p:extLst>
+      <p:ext uri="{BB962C8B-B14F-4D97-AF65-F5344CB8AC3E}">
+        <p14:creationId xmlns:p14="http://schemas.microsoft.com/office/powerpoint/2010/main" val="3545838153"/>
+      </p:ext>
+    </p:extLst>
+  </p:cSld>
+  <p:clrMapOvr>
+    <a:masterClrMapping/>
+  </p:clrMapOvr>
+</p:sld>
+</file>
+
+<file path=ppt/slides/slide18.xml><?xml version="1.0" encoding="utf-8"?>
+<p:sld xmlns:a="http://schemas.openxmlformats.org/drawingml/2006/main" xmlns:r="http://schemas.openxmlformats.org/officeDocument/2006/relationships" xmlns:p="http://schemas.openxmlformats.org/presentationml/2006/main">
+  <p:cSld>
+    <p:spTree>
+      <p:nvGrpSpPr>
+        <p:cNvPr id="1" name=""/>
+        <p:cNvGrpSpPr/>
+        <p:nvPr/>
+      </p:nvGrpSpPr>
+      <p:grpSpPr>
+        <a:xfrm>
+          <a:off x="0" y="0"/>
+          <a:ext cx="0" cy="0"/>
+          <a:chOff x="0" y="0"/>
+          <a:chExt cx="0" cy="0"/>
+        </a:xfrm>
+      </p:grpSpPr>
+      <p:sp>
+        <p:nvSpPr>
+          <p:cNvPr id="4" name="제목 3">
+            <a:extLst>
+              <a:ext uri="{FF2B5EF4-FFF2-40B4-BE49-F238E27FC236}">
+                <a16:creationId xmlns:a16="http://schemas.microsoft.com/office/drawing/2014/main" id="{99BE602C-722B-4F3E-8FAF-32002871EB2D}"/>
+              </a:ext>
+            </a:extLst>
+          </p:cNvPr>
+          <p:cNvSpPr>
+            <a:spLocks noGrp="1"/>
+          </p:cNvSpPr>
+          <p:nvPr>
+            <p:ph type="title"/>
+          </p:nvPr>
+        </p:nvSpPr>
+        <p:spPr/>
+        <p:txBody>
+          <a:bodyPr/>
+          <a:lstStyle/>
+          <a:p>
+            <a:r>
+              <a:rPr lang="en-US" altLang="ko-KR" dirty="0"/>
+              <a:t>REST</a:t>
+            </a:r>
+            <a:r>
+              <a:rPr lang="ko-KR" altLang="en-US" dirty="0"/>
+              <a:t> </a:t>
+            </a:r>
+            <a:r>
+              <a:rPr lang="en-US" altLang="ko-KR" dirty="0"/>
+              <a:t>API </a:t>
+            </a:r>
+            <a:r>
+              <a:rPr lang="ko-KR" altLang="en-US" dirty="0"/>
               <a:t>상세 명세</a:t>
             </a:r>
           </a:p>
@@ -19066,7 +20221,7 @@
 </p:sld>
 </file>
 
-<file path=ppt/slides/slide18.xml><?xml version="1.0" encoding="utf-8"?>
+<file path=ppt/slides/slide19.xml><?xml version="1.0" encoding="utf-8"?>
 <p:sld xmlns:a="http://schemas.openxmlformats.org/drawingml/2006/main" xmlns:r="http://schemas.openxmlformats.org/officeDocument/2006/relationships" xmlns:p="http://schemas.openxmlformats.org/presentationml/2006/main">
   <p:cSld>
     <p:spTree>
@@ -19130,7 +20285,286 @@
 </p:sld>
 </file>
 
-<file path=ppt/slides/slide19.xml><?xml version="1.0" encoding="utf-8"?>
+<file path=ppt/slides/slide2.xml><?xml version="1.0" encoding="utf-8"?>
+<p:sld xmlns:a="http://schemas.openxmlformats.org/drawingml/2006/main" xmlns:r="http://schemas.openxmlformats.org/officeDocument/2006/relationships" xmlns:p="http://schemas.openxmlformats.org/presentationml/2006/main">
+  <p:cSld>
+    <p:spTree>
+      <p:nvGrpSpPr>
+        <p:cNvPr id="1" name=""/>
+        <p:cNvGrpSpPr/>
+        <p:nvPr/>
+      </p:nvGrpSpPr>
+      <p:grpSpPr>
+        <a:xfrm>
+          <a:off x="0" y="0"/>
+          <a:ext cx="0" cy="0"/>
+          <a:chOff x="0" y="0"/>
+          <a:chExt cx="0" cy="0"/>
+        </a:xfrm>
+      </p:grpSpPr>
+      <p:sp>
+        <p:nvSpPr>
+          <p:cNvPr id="2" name="제목 1">
+            <a:extLst>
+              <a:ext uri="{FF2B5EF4-FFF2-40B4-BE49-F238E27FC236}">
+                <a16:creationId xmlns:a16="http://schemas.microsoft.com/office/drawing/2014/main" id="{D0B146C3-B8B0-406D-84B8-A9D32AF24D29}"/>
+              </a:ext>
+            </a:extLst>
+          </p:cNvPr>
+          <p:cNvSpPr>
+            <a:spLocks noGrp="1"/>
+          </p:cNvSpPr>
+          <p:nvPr>
+            <p:ph type="title"/>
+          </p:nvPr>
+        </p:nvSpPr>
+        <p:spPr/>
+        <p:txBody>
+          <a:bodyPr/>
+          <a:lstStyle/>
+          <a:p>
+            <a:r>
+              <a:rPr lang="ko-KR" altLang="en-US" dirty="0"/>
+              <a:t>활용 데이터</a:t>
+            </a:r>
+          </a:p>
+        </p:txBody>
+      </p:sp>
+      <p:sp>
+        <p:nvSpPr>
+          <p:cNvPr id="3" name="내용 개체 틀 2">
+            <a:extLst>
+              <a:ext uri="{FF2B5EF4-FFF2-40B4-BE49-F238E27FC236}">
+                <a16:creationId xmlns:a16="http://schemas.microsoft.com/office/drawing/2014/main" id="{327C1980-B133-4650-A4DD-E3CADB853E61}"/>
+              </a:ext>
+            </a:extLst>
+          </p:cNvPr>
+          <p:cNvSpPr>
+            <a:spLocks noGrp="1"/>
+          </p:cNvSpPr>
+          <p:nvPr>
+            <p:ph idx="1"/>
+          </p:nvPr>
+        </p:nvSpPr>
+        <p:spPr>
+          <a:xfrm>
+            <a:off x="838199" y="1825625"/>
+            <a:ext cx="11134725" cy="4351338"/>
+          </a:xfrm>
+        </p:spPr>
+        <p:txBody>
+          <a:bodyPr>
+            <a:normAutofit fontScale="77500" lnSpcReduction="20000"/>
+          </a:bodyPr>
+          <a:lstStyle/>
+          <a:p>
+            <a:r>
+              <a:rPr lang="ko-KR" altLang="en-US" dirty="0"/>
+              <a:t>출처 </a:t>
+            </a:r>
+            <a:r>
+              <a:rPr lang="en-US" altLang="ko-KR" dirty="0"/>
+              <a:t>: </a:t>
+            </a:r>
+            <a:r>
+              <a:rPr lang="ko-KR" altLang="en-US" sz="2400" dirty="0" err="1"/>
+              <a:t>공공데이터포털</a:t>
+            </a:r>
+            <a:r>
+              <a:rPr lang="en-US" altLang="ko-KR" sz="2400" dirty="0"/>
+              <a:t> : </a:t>
+            </a:r>
+            <a:r>
+              <a:rPr lang="ko-KR" altLang="en-US" sz="2400" dirty="0"/>
+              <a:t> </a:t>
+            </a:r>
+            <a:r>
+              <a:rPr lang="en-US" altLang="ko-KR" sz="2400" dirty="0"/>
+              <a:t>https://www.data.go.kr/data/15113888/fileData.do</a:t>
+            </a:r>
+          </a:p>
+          <a:p>
+            <a:pPr marL="0" indent="0">
+              <a:buNone/>
+            </a:pPr>
+            <a:r>
+              <a:rPr lang="ko-KR" altLang="en-US" dirty="0"/>
+              <a:t>          </a:t>
+            </a:r>
+            <a:r>
+              <a:rPr lang="ko-KR" altLang="en-US" sz="2500" dirty="0"/>
+              <a:t>농촌진흥청 농사로 </a:t>
+            </a:r>
+            <a:r>
+              <a:rPr lang="en-US" altLang="ko-KR" sz="2500" dirty="0"/>
+              <a:t>: </a:t>
+            </a:r>
+            <a:r>
+              <a:rPr lang="en-US" altLang="ko-KR" sz="2500" dirty="0" err="1"/>
+              <a:t>openAPI</a:t>
+            </a:r>
+            <a:endParaRPr lang="en-US" altLang="ko-KR" sz="2500" dirty="0"/>
+          </a:p>
+          <a:p>
+            <a:pPr marL="0" indent="0">
+              <a:buNone/>
+            </a:pPr>
+            <a:endParaRPr lang="en-US" altLang="ko-KR" dirty="0"/>
+          </a:p>
+          <a:p>
+            <a:pPr>
+              <a:lnSpc>
+                <a:spcPct val="160000"/>
+              </a:lnSpc>
+            </a:pPr>
+            <a:r>
+              <a:rPr lang="ko-KR" altLang="en-US" dirty="0"/>
+              <a:t>내용 </a:t>
+            </a:r>
+            <a:r>
+              <a:rPr lang="en-US" altLang="ko-KR" dirty="0"/>
+              <a:t>: </a:t>
+            </a:r>
+            <a:r>
+              <a:rPr lang="ko-KR" altLang="en-US" sz="2400" dirty="0"/>
+              <a:t>도시에서 실내 정원 및 베란다 텃밭을 가꾸는 사람들에게 작물 및 식물 육성 정보</a:t>
+            </a:r>
+            <a:r>
+              <a:rPr lang="en-US" altLang="ko-KR" sz="2400" dirty="0"/>
+              <a:t> </a:t>
+            </a:r>
+            <a:r>
+              <a:rPr lang="ko-KR" altLang="en-US" sz="2400" dirty="0"/>
+              <a:t>및 </a:t>
+            </a:r>
+            <a:r>
+              <a:rPr lang="en-US" altLang="ko-KR" sz="2400" dirty="0"/>
+              <a:t>	  </a:t>
+            </a:r>
+            <a:r>
+              <a:rPr lang="ko-KR" altLang="en-US" sz="2400" dirty="0"/>
+              <a:t>부산시 공용텃밭 위치 제공</a:t>
+            </a:r>
+            <a:endParaRPr lang="en-US" altLang="ko-KR" sz="2400" dirty="0"/>
+          </a:p>
+          <a:p>
+            <a:pPr marL="0" indent="0">
+              <a:buNone/>
+            </a:pPr>
+            <a:endParaRPr lang="en-US" altLang="ko-KR" dirty="0"/>
+          </a:p>
+          <a:p>
+            <a:pPr>
+              <a:lnSpc>
+                <a:spcPct val="160000"/>
+              </a:lnSpc>
+            </a:pPr>
+            <a:r>
+              <a:rPr lang="ko-KR" altLang="en-US" dirty="0"/>
+              <a:t>주요 컨텐츠</a:t>
+            </a:r>
+            <a:endParaRPr lang="en-US" altLang="ko-KR" dirty="0"/>
+          </a:p>
+          <a:p>
+            <a:pPr lvl="1">
+              <a:lnSpc>
+                <a:spcPct val="160000"/>
+              </a:lnSpc>
+            </a:pPr>
+            <a:r>
+              <a:rPr lang="ko-KR" altLang="en-US" dirty="0"/>
+              <a:t>각 식물 육성 방법 정보 제공</a:t>
+            </a:r>
+            <a:endParaRPr lang="en-US" altLang="ko-KR" dirty="0"/>
+          </a:p>
+          <a:p>
+            <a:pPr lvl="1"/>
+            <a:r>
+              <a:rPr lang="ko-KR" altLang="en-US" dirty="0"/>
+              <a:t>회원 별 식물 육성기록 시 육성식물 선호도 </a:t>
+            </a:r>
+            <a:r>
+              <a:rPr lang="en-US" altLang="ko-KR" dirty="0"/>
+              <a:t>, </a:t>
+            </a:r>
+            <a:r>
+              <a:rPr lang="ko-KR" altLang="en-US" dirty="0"/>
+              <a:t>키운 식물 수 차트 제공</a:t>
+            </a:r>
+            <a:endParaRPr lang="en-US" altLang="ko-KR" dirty="0"/>
+          </a:p>
+          <a:p>
+            <a:pPr lvl="1"/>
+            <a:r>
+              <a:rPr lang="ko-KR" altLang="en-US" dirty="0"/>
+              <a:t>자유게시판 및 나만의 게시판</a:t>
+            </a:r>
+            <a:r>
+              <a:rPr lang="en-US" altLang="ko-KR" dirty="0"/>
+              <a:t>(</a:t>
+            </a:r>
+            <a:r>
+              <a:rPr lang="ko-KR" altLang="en-US" dirty="0"/>
+              <a:t>식물일지</a:t>
+            </a:r>
+            <a:r>
+              <a:rPr lang="en-US" altLang="ko-KR" dirty="0"/>
+              <a:t>)</a:t>
+            </a:r>
+            <a:r>
+              <a:rPr lang="ko-KR" altLang="en-US" dirty="0"/>
+              <a:t> 제공</a:t>
+            </a:r>
+            <a:endParaRPr lang="en-US" altLang="ko-KR" dirty="0"/>
+          </a:p>
+          <a:p>
+            <a:pPr lvl="1"/>
+            <a:r>
+              <a:rPr lang="ko-KR" altLang="en-US" dirty="0"/>
+              <a:t>부산시 공영텃밭 위치</a:t>
+            </a:r>
+            <a:r>
+              <a:rPr lang="en-US" altLang="ko-KR" dirty="0"/>
+              <a:t>(</a:t>
+            </a:r>
+            <a:r>
+              <a:rPr lang="ko-KR" altLang="en-US" dirty="0"/>
+              <a:t>지도</a:t>
+            </a:r>
+            <a:r>
+              <a:rPr lang="en-US" altLang="ko-KR" dirty="0"/>
+              <a:t>) </a:t>
+            </a:r>
+            <a:r>
+              <a:rPr lang="ko-KR" altLang="en-US" dirty="0"/>
+              <a:t>제공</a:t>
+            </a:r>
+            <a:endParaRPr lang="en-US" altLang="ko-KR" dirty="0"/>
+          </a:p>
+          <a:p>
+            <a:pPr lvl="1"/>
+            <a:endParaRPr lang="en-US" altLang="ko-KR" dirty="0"/>
+          </a:p>
+          <a:p>
+            <a:pPr lvl="1"/>
+            <a:endParaRPr lang="ko-KR" altLang="en-US" dirty="0"/>
+          </a:p>
+        </p:txBody>
+      </p:sp>
+    </p:spTree>
+    <p:extLst>
+      <p:ext uri="{BB962C8B-B14F-4D97-AF65-F5344CB8AC3E}">
+        <p14:creationId xmlns:p14="http://schemas.microsoft.com/office/powerpoint/2010/main" val="1322102878"/>
+      </p:ext>
+    </p:extLst>
+  </p:cSld>
+  <p:clrMapOvr>
+    <a:masterClrMapping/>
+  </p:clrMapOvr>
+</p:sld>
+</file>
+
+<file path=ppt/slides/slide20.xml><?xml version="1.0" encoding="utf-8"?>
 <p:sld xmlns:a="http://schemas.openxmlformats.org/drawingml/2006/main" xmlns:r="http://schemas.openxmlformats.org/officeDocument/2006/relationships" xmlns:p="http://schemas.openxmlformats.org/presentationml/2006/main">
   <p:cSld>
     <p:spTree>
@@ -19616,286 +21050,7 @@
 </p:sld>
 </file>
 
-<file path=ppt/slides/slide2.xml><?xml version="1.0" encoding="utf-8"?>
-<p:sld xmlns:a="http://schemas.openxmlformats.org/drawingml/2006/main" xmlns:r="http://schemas.openxmlformats.org/officeDocument/2006/relationships" xmlns:p="http://schemas.openxmlformats.org/presentationml/2006/main">
-  <p:cSld>
-    <p:spTree>
-      <p:nvGrpSpPr>
-        <p:cNvPr id="1" name=""/>
-        <p:cNvGrpSpPr/>
-        <p:nvPr/>
-      </p:nvGrpSpPr>
-      <p:grpSpPr>
-        <a:xfrm>
-          <a:off x="0" y="0"/>
-          <a:ext cx="0" cy="0"/>
-          <a:chOff x="0" y="0"/>
-          <a:chExt cx="0" cy="0"/>
-        </a:xfrm>
-      </p:grpSpPr>
-      <p:sp>
-        <p:nvSpPr>
-          <p:cNvPr id="2" name="제목 1">
-            <a:extLst>
-              <a:ext uri="{FF2B5EF4-FFF2-40B4-BE49-F238E27FC236}">
-                <a16:creationId xmlns:a16="http://schemas.microsoft.com/office/drawing/2014/main" id="{D0B146C3-B8B0-406D-84B8-A9D32AF24D29}"/>
-              </a:ext>
-            </a:extLst>
-          </p:cNvPr>
-          <p:cNvSpPr>
-            <a:spLocks noGrp="1"/>
-          </p:cNvSpPr>
-          <p:nvPr>
-            <p:ph type="title"/>
-          </p:nvPr>
-        </p:nvSpPr>
-        <p:spPr/>
-        <p:txBody>
-          <a:bodyPr/>
-          <a:lstStyle/>
-          <a:p>
-            <a:r>
-              <a:rPr lang="ko-KR" altLang="en-US" dirty="0"/>
-              <a:t>활용 데이터</a:t>
-            </a:r>
-          </a:p>
-        </p:txBody>
-      </p:sp>
-      <p:sp>
-        <p:nvSpPr>
-          <p:cNvPr id="3" name="내용 개체 틀 2">
-            <a:extLst>
-              <a:ext uri="{FF2B5EF4-FFF2-40B4-BE49-F238E27FC236}">
-                <a16:creationId xmlns:a16="http://schemas.microsoft.com/office/drawing/2014/main" id="{327C1980-B133-4650-A4DD-E3CADB853E61}"/>
-              </a:ext>
-            </a:extLst>
-          </p:cNvPr>
-          <p:cNvSpPr>
-            <a:spLocks noGrp="1"/>
-          </p:cNvSpPr>
-          <p:nvPr>
-            <p:ph idx="1"/>
-          </p:nvPr>
-        </p:nvSpPr>
-        <p:spPr>
-          <a:xfrm>
-            <a:off x="838199" y="1825625"/>
-            <a:ext cx="11134725" cy="4351338"/>
-          </a:xfrm>
-        </p:spPr>
-        <p:txBody>
-          <a:bodyPr>
-            <a:normAutofit fontScale="77500" lnSpcReduction="20000"/>
-          </a:bodyPr>
-          <a:lstStyle/>
-          <a:p>
-            <a:r>
-              <a:rPr lang="ko-KR" altLang="en-US" dirty="0"/>
-              <a:t>출처 </a:t>
-            </a:r>
-            <a:r>
-              <a:rPr lang="en-US" altLang="ko-KR" dirty="0"/>
-              <a:t>: </a:t>
-            </a:r>
-            <a:r>
-              <a:rPr lang="ko-KR" altLang="en-US" sz="2400" dirty="0" err="1"/>
-              <a:t>공공데이터포털</a:t>
-            </a:r>
-            <a:r>
-              <a:rPr lang="en-US" altLang="ko-KR" sz="2400" dirty="0"/>
-              <a:t> : </a:t>
-            </a:r>
-            <a:r>
-              <a:rPr lang="ko-KR" altLang="en-US" sz="2400" dirty="0"/>
-              <a:t> </a:t>
-            </a:r>
-            <a:r>
-              <a:rPr lang="en-US" altLang="ko-KR" sz="2400" dirty="0"/>
-              <a:t>https://www.data.go.kr/data/15113888/fileData.do</a:t>
-            </a:r>
-          </a:p>
-          <a:p>
-            <a:pPr marL="0" indent="0">
-              <a:buNone/>
-            </a:pPr>
-            <a:r>
-              <a:rPr lang="ko-KR" altLang="en-US" dirty="0"/>
-              <a:t>          </a:t>
-            </a:r>
-            <a:r>
-              <a:rPr lang="ko-KR" altLang="en-US" sz="2500" dirty="0"/>
-              <a:t>농촌진흥청 농사로 </a:t>
-            </a:r>
-            <a:r>
-              <a:rPr lang="en-US" altLang="ko-KR" sz="2500" dirty="0"/>
-              <a:t>: </a:t>
-            </a:r>
-            <a:r>
-              <a:rPr lang="en-US" altLang="ko-KR" sz="2500" dirty="0" err="1"/>
-              <a:t>openAPI</a:t>
-            </a:r>
-            <a:endParaRPr lang="en-US" altLang="ko-KR" sz="2500" dirty="0"/>
-          </a:p>
-          <a:p>
-            <a:pPr marL="0" indent="0">
-              <a:buNone/>
-            </a:pPr>
-            <a:endParaRPr lang="en-US" altLang="ko-KR" dirty="0"/>
-          </a:p>
-          <a:p>
-            <a:pPr>
-              <a:lnSpc>
-                <a:spcPct val="160000"/>
-              </a:lnSpc>
-            </a:pPr>
-            <a:r>
-              <a:rPr lang="ko-KR" altLang="en-US" dirty="0"/>
-              <a:t>내용 </a:t>
-            </a:r>
-            <a:r>
-              <a:rPr lang="en-US" altLang="ko-KR" dirty="0"/>
-              <a:t>: </a:t>
-            </a:r>
-            <a:r>
-              <a:rPr lang="ko-KR" altLang="en-US" sz="2400" dirty="0"/>
-              <a:t>도시에서 실내 정원 및 베란다 텃밭을 가꾸는 사람들에게 작물 및 식물 육성 정보</a:t>
-            </a:r>
-            <a:r>
-              <a:rPr lang="en-US" altLang="ko-KR" sz="2400" dirty="0"/>
-              <a:t> </a:t>
-            </a:r>
-            <a:r>
-              <a:rPr lang="ko-KR" altLang="en-US" sz="2400" dirty="0"/>
-              <a:t>및 </a:t>
-            </a:r>
-            <a:r>
-              <a:rPr lang="en-US" altLang="ko-KR" sz="2400" dirty="0"/>
-              <a:t>	  </a:t>
-            </a:r>
-            <a:r>
-              <a:rPr lang="ko-KR" altLang="en-US" sz="2400" dirty="0"/>
-              <a:t>부산시 공용텃밭 위치 제공</a:t>
-            </a:r>
-            <a:endParaRPr lang="en-US" altLang="ko-KR" sz="2400" dirty="0"/>
-          </a:p>
-          <a:p>
-            <a:pPr marL="0" indent="0">
-              <a:buNone/>
-            </a:pPr>
-            <a:endParaRPr lang="en-US" altLang="ko-KR" dirty="0"/>
-          </a:p>
-          <a:p>
-            <a:pPr>
-              <a:lnSpc>
-                <a:spcPct val="160000"/>
-              </a:lnSpc>
-            </a:pPr>
-            <a:r>
-              <a:rPr lang="ko-KR" altLang="en-US" dirty="0"/>
-              <a:t>주요 컨텐츠</a:t>
-            </a:r>
-            <a:endParaRPr lang="en-US" altLang="ko-KR" dirty="0"/>
-          </a:p>
-          <a:p>
-            <a:pPr lvl="1">
-              <a:lnSpc>
-                <a:spcPct val="160000"/>
-              </a:lnSpc>
-            </a:pPr>
-            <a:r>
-              <a:rPr lang="ko-KR" altLang="en-US" dirty="0"/>
-              <a:t>각 식물 육성 방법 정보 제공</a:t>
-            </a:r>
-            <a:endParaRPr lang="en-US" altLang="ko-KR" dirty="0"/>
-          </a:p>
-          <a:p>
-            <a:pPr lvl="1"/>
-            <a:r>
-              <a:rPr lang="ko-KR" altLang="en-US" dirty="0"/>
-              <a:t>회원 별 식물 육성기록 시 육성식물 선호도 </a:t>
-            </a:r>
-            <a:r>
-              <a:rPr lang="en-US" altLang="ko-KR" dirty="0"/>
-              <a:t>, </a:t>
-            </a:r>
-            <a:r>
-              <a:rPr lang="ko-KR" altLang="en-US" dirty="0"/>
-              <a:t>키운 식물 수 차트 제공</a:t>
-            </a:r>
-            <a:endParaRPr lang="en-US" altLang="ko-KR" dirty="0"/>
-          </a:p>
-          <a:p>
-            <a:pPr lvl="1"/>
-            <a:r>
-              <a:rPr lang="ko-KR" altLang="en-US" dirty="0"/>
-              <a:t>자유게시판 및 나만의 게시판</a:t>
-            </a:r>
-            <a:r>
-              <a:rPr lang="en-US" altLang="ko-KR" dirty="0"/>
-              <a:t>(</a:t>
-            </a:r>
-            <a:r>
-              <a:rPr lang="ko-KR" altLang="en-US" dirty="0"/>
-              <a:t>식물일지</a:t>
-            </a:r>
-            <a:r>
-              <a:rPr lang="en-US" altLang="ko-KR" dirty="0"/>
-              <a:t>)</a:t>
-            </a:r>
-            <a:r>
-              <a:rPr lang="ko-KR" altLang="en-US" dirty="0"/>
-              <a:t> 제공</a:t>
-            </a:r>
-            <a:endParaRPr lang="en-US" altLang="ko-KR" dirty="0"/>
-          </a:p>
-          <a:p>
-            <a:pPr lvl="1"/>
-            <a:r>
-              <a:rPr lang="ko-KR" altLang="en-US" dirty="0"/>
-              <a:t>부산시 공영텃밭 위치</a:t>
-            </a:r>
-            <a:r>
-              <a:rPr lang="en-US" altLang="ko-KR" dirty="0"/>
-              <a:t>(</a:t>
-            </a:r>
-            <a:r>
-              <a:rPr lang="ko-KR" altLang="en-US" dirty="0"/>
-              <a:t>지도</a:t>
-            </a:r>
-            <a:r>
-              <a:rPr lang="en-US" altLang="ko-KR" dirty="0"/>
-              <a:t>) </a:t>
-            </a:r>
-            <a:r>
-              <a:rPr lang="ko-KR" altLang="en-US" dirty="0"/>
-              <a:t>제공</a:t>
-            </a:r>
-            <a:endParaRPr lang="en-US" altLang="ko-KR" dirty="0"/>
-          </a:p>
-          <a:p>
-            <a:pPr lvl="1"/>
-            <a:endParaRPr lang="en-US" altLang="ko-KR" dirty="0"/>
-          </a:p>
-          <a:p>
-            <a:pPr lvl="1"/>
-            <a:endParaRPr lang="ko-KR" altLang="en-US" dirty="0"/>
-          </a:p>
-        </p:txBody>
-      </p:sp>
-    </p:spTree>
-    <p:extLst>
-      <p:ext uri="{BB962C8B-B14F-4D97-AF65-F5344CB8AC3E}">
-        <p14:creationId xmlns:p14="http://schemas.microsoft.com/office/powerpoint/2010/main" val="1322102878"/>
-      </p:ext>
-    </p:extLst>
-  </p:cSld>
-  <p:clrMapOvr>
-    <a:masterClrMapping/>
-  </p:clrMapOvr>
-</p:sld>
-</file>
-
-<file path=ppt/slides/slide20.xml><?xml version="1.0" encoding="utf-8"?>
+<file path=ppt/slides/slide21.xml><?xml version="1.0" encoding="utf-8"?>
 <p:sld xmlns:a="http://schemas.openxmlformats.org/drawingml/2006/main" xmlns:r="http://schemas.openxmlformats.org/officeDocument/2006/relationships" xmlns:p="http://schemas.openxmlformats.org/presentationml/2006/main">
   <p:cSld>
     <p:spTree>
@@ -20165,7 +21320,7 @@
 </p:sld>
 </file>
 
-<file path=ppt/slides/slide21.xml><?xml version="1.0" encoding="utf-8"?>
+<file path=ppt/slides/slide22.xml><?xml version="1.0" encoding="utf-8"?>
 <p:sld xmlns:a="http://schemas.openxmlformats.org/drawingml/2006/main" xmlns:r="http://schemas.openxmlformats.org/officeDocument/2006/relationships" xmlns:p="http://schemas.openxmlformats.org/presentationml/2006/main">
   <p:cSld>
     <p:spTree>
